--- a/Accidentes_v2.pptx
+++ b/Accidentes_v2.pptx
@@ -248,7 +248,7 @@
           <a:p>
             <a:fld id="{B5905E93-9311-440B-B43F-6BAC93AA959B}" type="datetimeFigureOut">
               <a:rPr lang="es-ES" smtClean="0"/>
-              <a:t>14/11/2018</a:t>
+              <a:t>15/11/2018</a:t>
             </a:fld>
             <a:endParaRPr lang="es-ES"/>
           </a:p>
@@ -418,7 +418,7 @@
           <a:p>
             <a:fld id="{B5905E93-9311-440B-B43F-6BAC93AA959B}" type="datetimeFigureOut">
               <a:rPr lang="es-ES" smtClean="0"/>
-              <a:t>14/11/2018</a:t>
+              <a:t>15/11/2018</a:t>
             </a:fld>
             <a:endParaRPr lang="es-ES"/>
           </a:p>
@@ -598,7 +598,7 @@
           <a:p>
             <a:fld id="{B5905E93-9311-440B-B43F-6BAC93AA959B}" type="datetimeFigureOut">
               <a:rPr lang="es-ES" smtClean="0"/>
-              <a:t>14/11/2018</a:t>
+              <a:t>15/11/2018</a:t>
             </a:fld>
             <a:endParaRPr lang="es-ES"/>
           </a:p>
@@ -1870,7 +1870,7 @@
           <a:p>
             <a:fld id="{B5905E93-9311-440B-B43F-6BAC93AA959B}" type="datetimeFigureOut">
               <a:rPr lang="es-ES" smtClean="0"/>
-              <a:t>14/11/2018</a:t>
+              <a:t>15/11/2018</a:t>
             </a:fld>
             <a:endParaRPr lang="es-ES"/>
           </a:p>
@@ -2108,7 +2108,7 @@
           <a:p>
             <a:fld id="{B5905E93-9311-440B-B43F-6BAC93AA959B}" type="datetimeFigureOut">
               <a:rPr lang="es-ES" smtClean="0"/>
-              <a:t>14/11/2018</a:t>
+              <a:t>15/11/2018</a:t>
             </a:fld>
             <a:endParaRPr lang="es-ES"/>
           </a:p>
@@ -2384,7 +2384,7 @@
           <a:p>
             <a:fld id="{B5905E93-9311-440B-B43F-6BAC93AA959B}" type="datetimeFigureOut">
               <a:rPr lang="es-ES" smtClean="0"/>
-              <a:t>14/11/2018</a:t>
+              <a:t>15/11/2018</a:t>
             </a:fld>
             <a:endParaRPr lang="es-ES"/>
           </a:p>
@@ -3585,7 +3585,7 @@
           <a:p>
             <a:fld id="{B5905E93-9311-440B-B43F-6BAC93AA959B}" type="datetimeFigureOut">
               <a:rPr lang="es-ES" smtClean="0"/>
-              <a:t>14/11/2018</a:t>
+              <a:t>15/11/2018</a:t>
             </a:fld>
             <a:endParaRPr lang="es-ES"/>
           </a:p>
@@ -3975,7 +3975,7 @@
           <a:p>
             <a:fld id="{B5905E93-9311-440B-B43F-6BAC93AA959B}" type="datetimeFigureOut">
               <a:rPr lang="es-ES" smtClean="0"/>
-              <a:t>14/11/2018</a:t>
+              <a:t>15/11/2018</a:t>
             </a:fld>
             <a:endParaRPr lang="es-ES"/>
           </a:p>
@@ -4098,7 +4098,7 @@
           <a:p>
             <a:fld id="{B5905E93-9311-440B-B43F-6BAC93AA959B}" type="datetimeFigureOut">
               <a:rPr lang="es-ES" smtClean="0"/>
-              <a:t>14/11/2018</a:t>
+              <a:t>15/11/2018</a:t>
             </a:fld>
             <a:endParaRPr lang="es-ES"/>
           </a:p>
@@ -4193,7 +4193,7 @@
           <a:p>
             <a:fld id="{B5905E93-9311-440B-B43F-6BAC93AA959B}" type="datetimeFigureOut">
               <a:rPr lang="es-ES" smtClean="0"/>
-              <a:t>14/11/2018</a:t>
+              <a:t>15/11/2018</a:t>
             </a:fld>
             <a:endParaRPr lang="es-ES"/>
           </a:p>
@@ -4956,7 +4956,7 @@
           <a:p>
             <a:fld id="{B5905E93-9311-440B-B43F-6BAC93AA959B}" type="datetimeFigureOut">
               <a:rPr lang="es-ES" smtClean="0"/>
-              <a:t>14/11/2018</a:t>
+              <a:t>15/11/2018</a:t>
             </a:fld>
             <a:endParaRPr lang="es-ES"/>
           </a:p>
@@ -5185,7 +5185,7 @@
           <a:p>
             <a:fld id="{B5905E93-9311-440B-B43F-6BAC93AA959B}" type="datetimeFigureOut">
               <a:rPr lang="es-ES" smtClean="0"/>
-              <a:t>14/11/2018</a:t>
+              <a:t>15/11/2018</a:t>
             </a:fld>
             <a:endParaRPr lang="es-ES"/>
           </a:p>
@@ -5966,7 +5966,7 @@
           <a:p>
             <a:fld id="{B5905E93-9311-440B-B43F-6BAC93AA959B}" type="datetimeFigureOut">
               <a:rPr lang="es-ES" smtClean="0"/>
-              <a:t>14/11/2018</a:t>
+              <a:t>15/11/2018</a:t>
             </a:fld>
             <a:endParaRPr lang="es-ES"/>
           </a:p>
@@ -6146,7 +6146,7 @@
           <a:p>
             <a:fld id="{B5905E93-9311-440B-B43F-6BAC93AA959B}" type="datetimeFigureOut">
               <a:rPr lang="es-ES" smtClean="0"/>
-              <a:t>14/11/2018</a:t>
+              <a:t>15/11/2018</a:t>
             </a:fld>
             <a:endParaRPr lang="es-ES"/>
           </a:p>
@@ -6326,7 +6326,7 @@
           <a:p>
             <a:fld id="{B5905E93-9311-440B-B43F-6BAC93AA959B}" type="datetimeFigureOut">
               <a:rPr lang="es-ES" smtClean="0"/>
-              <a:t>14/11/2018</a:t>
+              <a:t>15/11/2018</a:t>
             </a:fld>
             <a:endParaRPr lang="es-ES"/>
           </a:p>
@@ -6572,7 +6572,7 @@
           <a:p>
             <a:fld id="{B5905E93-9311-440B-B43F-6BAC93AA959B}" type="datetimeFigureOut">
               <a:rPr lang="es-ES" smtClean="0"/>
-              <a:t>14/11/2018</a:t>
+              <a:t>15/11/2018</a:t>
             </a:fld>
             <a:endParaRPr lang="es-ES"/>
           </a:p>
@@ -6804,7 +6804,7 @@
           <a:p>
             <a:fld id="{B5905E93-9311-440B-B43F-6BAC93AA959B}" type="datetimeFigureOut">
               <a:rPr lang="es-ES" smtClean="0"/>
-              <a:t>14/11/2018</a:t>
+              <a:t>15/11/2018</a:t>
             </a:fld>
             <a:endParaRPr lang="es-ES"/>
           </a:p>
@@ -7176,7 +7176,7 @@
           <a:p>
             <a:fld id="{B5905E93-9311-440B-B43F-6BAC93AA959B}" type="datetimeFigureOut">
               <a:rPr lang="es-ES" smtClean="0"/>
-              <a:t>14/11/2018</a:t>
+              <a:t>15/11/2018</a:t>
             </a:fld>
             <a:endParaRPr lang="es-ES"/>
           </a:p>
@@ -7299,7 +7299,7 @@
           <a:p>
             <a:fld id="{B5905E93-9311-440B-B43F-6BAC93AA959B}" type="datetimeFigureOut">
               <a:rPr lang="es-ES" smtClean="0"/>
-              <a:t>14/11/2018</a:t>
+              <a:t>15/11/2018</a:t>
             </a:fld>
             <a:endParaRPr lang="es-ES"/>
           </a:p>
@@ -7394,7 +7394,7 @@
           <a:p>
             <a:fld id="{B5905E93-9311-440B-B43F-6BAC93AA959B}" type="datetimeFigureOut">
               <a:rPr lang="es-ES" smtClean="0"/>
-              <a:t>14/11/2018</a:t>
+              <a:t>15/11/2018</a:t>
             </a:fld>
             <a:endParaRPr lang="es-ES"/>
           </a:p>
@@ -7671,7 +7671,7 @@
           <a:p>
             <a:fld id="{B5905E93-9311-440B-B43F-6BAC93AA959B}" type="datetimeFigureOut">
               <a:rPr lang="es-ES" smtClean="0"/>
-              <a:t>14/11/2018</a:t>
+              <a:t>15/11/2018</a:t>
             </a:fld>
             <a:endParaRPr lang="es-ES"/>
           </a:p>
@@ -7929,7 +7929,7 @@
           <a:p>
             <a:fld id="{B5905E93-9311-440B-B43F-6BAC93AA959B}" type="datetimeFigureOut">
               <a:rPr lang="es-ES" smtClean="0"/>
-              <a:t>14/11/2018</a:t>
+              <a:t>15/11/2018</a:t>
             </a:fld>
             <a:endParaRPr lang="es-ES"/>
           </a:p>
@@ -8142,7 +8142,7 @@
           <a:p>
             <a:fld id="{B5905E93-9311-440B-B43F-6BAC93AA959B}" type="datetimeFigureOut">
               <a:rPr lang="es-ES" smtClean="0"/>
-              <a:t>14/11/2018</a:t>
+              <a:t>15/11/2018</a:t>
             </a:fld>
             <a:endParaRPr lang="es-ES"/>
           </a:p>
@@ -8691,7 +8691,7 @@
           <a:p>
             <a:fld id="{B5905E93-9311-440B-B43F-6BAC93AA959B}" type="datetimeFigureOut">
               <a:rPr lang="es-ES" smtClean="0"/>
-              <a:t>14/11/2018</a:t>
+              <a:t>15/11/2018</a:t>
             </a:fld>
             <a:endParaRPr lang="es-ES"/>
           </a:p>
@@ -12349,49 +12349,8 @@
         </p:blipFill>
         <p:spPr bwMode="auto">
           <a:xfrm>
-            <a:off x="1071053" y="1348085"/>
+            <a:off x="1182777" y="1638069"/>
             <a:ext cx="4806950" cy="1807413"/>
-          </a:xfrm>
-          <a:prstGeom prst="rect">
-            <a:avLst/>
-          </a:prstGeom>
-          <a:noFill/>
-          <a:extLst>
-            <a:ext uri="{909E8E84-426E-40DD-AFC4-6F175D3DCCD1}">
-              <a14:hiddenFill xmlns:a14="http://schemas.microsoft.com/office/drawing/2010/main">
-                <a:solidFill>
-                  <a:srgbClr val="FFFFFF"/>
-                </a:solidFill>
-              </a14:hiddenFill>
-            </a:ext>
-          </a:extLst>
-        </p:spPr>
-      </p:pic>
-      <p:pic>
-        <p:nvPicPr>
-          <p:cNvPr id="2060" name="Picture 12" descr="Resultado de imagen de hadoop png"/>
-          <p:cNvPicPr>
-            <a:picLocks noChangeAspect="1" noChangeArrowheads="1"/>
-          </p:cNvPicPr>
-          <p:nvPr/>
-        </p:nvPicPr>
-        <p:blipFill>
-          <a:blip r:embed="rId3">
-            <a:extLst>
-              <a:ext uri="{28A0092B-C50C-407E-A947-70E740481C1C}">
-                <a14:useLocalDpi xmlns:a14="http://schemas.microsoft.com/office/drawing/2010/main" val="0"/>
-              </a:ext>
-            </a:extLst>
-          </a:blip>
-          <a:srcRect/>
-          <a:stretch>
-            <a:fillRect/>
-          </a:stretch>
-        </p:blipFill>
-        <p:spPr bwMode="auto">
-          <a:xfrm>
-            <a:off x="6487064" y="1838369"/>
-            <a:ext cx="5089585" cy="1317129"/>
           </a:xfrm>
           <a:prstGeom prst="rect">
             <a:avLst/>
@@ -12417,7 +12376,7 @@
           <p:nvPr/>
         </p:nvPicPr>
         <p:blipFill>
-          <a:blip r:embed="rId4">
+          <a:blip r:embed="rId3">
             <a:extLst>
               <a:ext uri="{28A0092B-C50C-407E-A947-70E740481C1C}">
                 <a14:useLocalDpi xmlns:a14="http://schemas.microsoft.com/office/drawing/2010/main" val="0"/>
@@ -12430,7 +12389,7 @@
         </p:blipFill>
         <p:spPr>
           <a:xfrm>
-            <a:off x="3810959" y="3779683"/>
+            <a:off x="1182777" y="4019453"/>
             <a:ext cx="5893759" cy="2529212"/>
           </a:xfrm>
           <a:prstGeom prst="rect">
@@ -12438,6 +12397,180 @@
           </a:prstGeom>
         </p:spPr>
       </p:pic>
+      <p:pic>
+        <p:nvPicPr>
+          <p:cNvPr id="1026" name="Picture 2" descr="Resultado de imagen de python png"/>
+          <p:cNvPicPr>
+            <a:picLocks noChangeAspect="1" noChangeArrowheads="1"/>
+          </p:cNvPicPr>
+          <p:nvPr/>
+        </p:nvPicPr>
+        <p:blipFill>
+          <a:blip r:embed="rId4" cstate="print">
+            <a:extLst>
+              <a:ext uri="{28A0092B-C50C-407E-A947-70E740481C1C}">
+                <a14:useLocalDpi xmlns:a14="http://schemas.microsoft.com/office/drawing/2010/main" val="0"/>
+              </a:ext>
+            </a:extLst>
+          </a:blip>
+          <a:srcRect/>
+          <a:stretch>
+            <a:fillRect/>
+          </a:stretch>
+        </p:blipFill>
+        <p:spPr bwMode="auto">
+          <a:xfrm>
+            <a:off x="7743107" y="1254363"/>
+            <a:ext cx="2579304" cy="2574826"/>
+          </a:xfrm>
+          <a:prstGeom prst="rect">
+            <a:avLst/>
+          </a:prstGeom>
+          <a:noFill/>
+          <a:extLst>
+            <a:ext uri="{909E8E84-426E-40DD-AFC4-6F175D3DCCD1}">
+              <a14:hiddenFill xmlns:a14="http://schemas.microsoft.com/office/drawing/2010/main">
+                <a:solidFill>
+                  <a:srgbClr val="FFFFFF"/>
+                </a:solidFill>
+              </a14:hiddenFill>
+            </a:ext>
+          </a:extLst>
+        </p:spPr>
+      </p:pic>
+      <p:pic>
+        <p:nvPicPr>
+          <p:cNvPr id="1028" name="Picture 4" descr="Resultado de imagen de github png"/>
+          <p:cNvPicPr>
+            <a:picLocks noChangeAspect="1" noChangeArrowheads="1"/>
+          </p:cNvPicPr>
+          <p:nvPr/>
+        </p:nvPicPr>
+        <p:blipFill>
+          <a:blip r:embed="rId5" cstate="print">
+            <a:extLst>
+              <a:ext uri="{28A0092B-C50C-407E-A947-70E740481C1C}">
+                <a14:useLocalDpi xmlns:a14="http://schemas.microsoft.com/office/drawing/2010/main" val="0"/>
+              </a:ext>
+            </a:extLst>
+          </a:blip>
+          <a:srcRect/>
+          <a:stretch>
+            <a:fillRect/>
+          </a:stretch>
+        </p:blipFill>
+        <p:spPr bwMode="auto">
+          <a:xfrm>
+            <a:off x="8040817" y="4307074"/>
+            <a:ext cx="1983884" cy="1938451"/>
+          </a:xfrm>
+          <a:prstGeom prst="rect">
+            <a:avLst/>
+          </a:prstGeom>
+          <a:noFill/>
+          <a:extLst>
+            <a:ext uri="{909E8E84-426E-40DD-AFC4-6F175D3DCCD1}">
+              <a14:hiddenFill xmlns:a14="http://schemas.microsoft.com/office/drawing/2010/main">
+                <a:solidFill>
+                  <a:srgbClr val="FFFFFF"/>
+                </a:solidFill>
+              </a14:hiddenFill>
+            </a:ext>
+          </a:extLst>
+        </p:spPr>
+      </p:pic>
+      <p:cxnSp>
+        <p:nvCxnSpPr>
+          <p:cNvPr id="8" name="Conector recto 7"/>
+          <p:cNvCxnSpPr/>
+          <p:nvPr/>
+        </p:nvCxnSpPr>
+        <p:spPr>
+          <a:xfrm>
+            <a:off x="1071053" y="4019453"/>
+            <a:ext cx="9729219" cy="0"/>
+          </a:xfrm>
+          <a:prstGeom prst="line">
+            <a:avLst/>
+          </a:prstGeom>
+          <a:ln w="25400"/>
+        </p:spPr>
+        <p:style>
+          <a:lnRef idx="1">
+            <a:schemeClr val="dk1"/>
+          </a:lnRef>
+          <a:fillRef idx="0">
+            <a:schemeClr val="dk1"/>
+          </a:fillRef>
+          <a:effectRef idx="0">
+            <a:schemeClr val="dk1"/>
+          </a:effectRef>
+          <a:fontRef idx="minor">
+            <a:schemeClr val="tx1"/>
+          </a:fontRef>
+        </p:style>
+      </p:cxnSp>
+      <p:cxnSp>
+        <p:nvCxnSpPr>
+          <p:cNvPr id="10" name="Conector recto 9"/>
+          <p:cNvCxnSpPr/>
+          <p:nvPr/>
+        </p:nvCxnSpPr>
+        <p:spPr>
+          <a:xfrm>
+            <a:off x="6771736" y="1153774"/>
+            <a:ext cx="77638" cy="5091751"/>
+          </a:xfrm>
+          <a:prstGeom prst="line">
+            <a:avLst/>
+          </a:prstGeom>
+          <a:ln w="25400"/>
+        </p:spPr>
+        <p:style>
+          <a:lnRef idx="1">
+            <a:schemeClr val="dk1"/>
+          </a:lnRef>
+          <a:fillRef idx="0">
+            <a:schemeClr val="dk1"/>
+          </a:fillRef>
+          <a:effectRef idx="0">
+            <a:schemeClr val="dk1"/>
+          </a:effectRef>
+          <a:fontRef idx="minor">
+            <a:schemeClr val="tx1"/>
+          </a:fontRef>
+        </p:style>
+      </p:cxnSp>
+      <p:sp>
+        <p:nvSpPr>
+          <p:cNvPr id="11" name="CuadroTexto 10"/>
+          <p:cNvSpPr txBox="1"/>
+          <p:nvPr/>
+        </p:nvSpPr>
+        <p:spPr>
+          <a:xfrm>
+            <a:off x="3687074" y="6242650"/>
+            <a:ext cx="3162300" cy="369332"/>
+          </a:xfrm>
+          <a:prstGeom prst="rect">
+            <a:avLst/>
+          </a:prstGeom>
+          <a:noFill/>
+        </p:spPr>
+        <p:txBody>
+          <a:bodyPr wrap="square" rtlCol="0">
+            <a:spAutoFit/>
+          </a:bodyPr>
+          <a:lstStyle/>
+          <a:p>
+            <a:r>
+              <a:rPr lang="es-ES" b="1" dirty="0" smtClean="0"/>
+              <a:t>MACHINE LEARNING</a:t>
+            </a:r>
+            <a:endParaRPr lang="es-ES" b="1" dirty="0"/>
+          </a:p>
+        </p:txBody>
+      </p:sp>
     </p:spTree>
     <p:extLst>
       <p:ext uri="{BB962C8B-B14F-4D97-AF65-F5344CB8AC3E}">
@@ -12538,302 +12671,6 @@
                                         </p:tav>
                                       </p:tavLst>
                                     </p:anim>
-                                  </p:childTnLst>
-                                </p:cTn>
-                              </p:par>
-                            </p:childTnLst>
-                          </p:cTn>
-                        </p:par>
-                      </p:childTnLst>
-                    </p:cTn>
-                  </p:par>
-                  <p:par>
-                    <p:cTn id="9" fill="hold">
-                      <p:stCondLst>
-                        <p:cond delay="indefinite"/>
-                      </p:stCondLst>
-                      <p:childTnLst>
-                        <p:par>
-                          <p:cTn id="10" fill="hold">
-                            <p:stCondLst>
-                              <p:cond delay="0"/>
-                            </p:stCondLst>
-                            <p:childTnLst>
-                              <p:par>
-                                <p:cTn id="11" presetID="26" presetClass="entr" presetSubtype="0" fill="hold" nodeType="clickEffect">
-                                  <p:stCondLst>
-                                    <p:cond delay="0"/>
-                                  </p:stCondLst>
-                                  <p:childTnLst>
-                                    <p:set>
-                                      <p:cBhvr>
-                                        <p:cTn id="12" dur="1" fill="hold">
-                                          <p:stCondLst>
-                                            <p:cond delay="0"/>
-                                          </p:stCondLst>
-                                        </p:cTn>
-                                        <p:tgtEl>
-                                          <p:spTgt spid="2060"/>
-                                        </p:tgtEl>
-                                        <p:attrNameLst>
-                                          <p:attrName>style.visibility</p:attrName>
-                                        </p:attrNameLst>
-                                      </p:cBhvr>
-                                      <p:to>
-                                        <p:strVal val="visible"/>
-                                      </p:to>
-                                    </p:set>
-                                    <p:animEffect transition="in" filter="wipe(down)">
-                                      <p:cBhvr>
-                                        <p:cTn id="13" dur="580">
-                                          <p:stCondLst>
-                                            <p:cond delay="0"/>
-                                          </p:stCondLst>
-                                        </p:cTn>
-                                        <p:tgtEl>
-                                          <p:spTgt spid="2060"/>
-                                        </p:tgtEl>
-                                      </p:cBhvr>
-                                    </p:animEffect>
-                                    <p:anim calcmode="lin" valueType="num">
-                                      <p:cBhvr>
-                                        <p:cTn id="14" dur="1822" tmFilter="0,0; 0.14,0.36; 0.43,0.73; 0.71,0.91; 1.0,1.0">
-                                          <p:stCondLst>
-                                            <p:cond delay="0"/>
-                                          </p:stCondLst>
-                                        </p:cTn>
-                                        <p:tgtEl>
-                                          <p:spTgt spid="2060"/>
-                                        </p:tgtEl>
-                                        <p:attrNameLst>
-                                          <p:attrName>ppt_x</p:attrName>
-                                        </p:attrNameLst>
-                                      </p:cBhvr>
-                                      <p:tavLst>
-                                        <p:tav tm="0">
-                                          <p:val>
-                                            <p:strVal val="#ppt_x-0.25"/>
-                                          </p:val>
-                                        </p:tav>
-                                        <p:tav tm="100000">
-                                          <p:val>
-                                            <p:strVal val="#ppt_x"/>
-                                          </p:val>
-                                        </p:tav>
-                                      </p:tavLst>
-                                    </p:anim>
-                                    <p:anim calcmode="lin" valueType="num">
-                                      <p:cBhvr>
-                                        <p:cTn id="15" dur="664" tmFilter="0.0,0.0; 0.25,0.07; 0.50,0.2; 0.75,0.467; 1.0,1.0">
-                                          <p:stCondLst>
-                                            <p:cond delay="0"/>
-                                          </p:stCondLst>
-                                        </p:cTn>
-                                        <p:tgtEl>
-                                          <p:spTgt spid="2060"/>
-                                        </p:tgtEl>
-                                        <p:attrNameLst>
-                                          <p:attrName>ppt_y</p:attrName>
-                                        </p:attrNameLst>
-                                      </p:cBhvr>
-                                      <p:tavLst>
-                                        <p:tav tm="0" fmla="#ppt_y-sin(pi*$)/3">
-                                          <p:val>
-                                            <p:fltVal val="0.5"/>
-                                          </p:val>
-                                        </p:tav>
-                                        <p:tav tm="100000">
-                                          <p:val>
-                                            <p:fltVal val="1"/>
-                                          </p:val>
-                                        </p:tav>
-                                      </p:tavLst>
-                                    </p:anim>
-                                    <p:anim calcmode="lin" valueType="num">
-                                      <p:cBhvr>
-                                        <p:cTn id="16" dur="664" tmFilter="0, 0; 0.125,0.2665; 0.25,0.4; 0.375,0.465; 0.5,0.5;  0.625,0.535; 0.75,0.6; 0.875,0.7335; 1,1">
-                                          <p:stCondLst>
-                                            <p:cond delay="664"/>
-                                          </p:stCondLst>
-                                        </p:cTn>
-                                        <p:tgtEl>
-                                          <p:spTgt spid="2060"/>
-                                        </p:tgtEl>
-                                        <p:attrNameLst>
-                                          <p:attrName>ppt_y</p:attrName>
-                                        </p:attrNameLst>
-                                      </p:cBhvr>
-                                      <p:tavLst>
-                                        <p:tav tm="0" fmla="#ppt_y-sin(pi*$)/9">
-                                          <p:val>
-                                            <p:fltVal val="0"/>
-                                          </p:val>
-                                        </p:tav>
-                                        <p:tav tm="100000">
-                                          <p:val>
-                                            <p:fltVal val="1"/>
-                                          </p:val>
-                                        </p:tav>
-                                      </p:tavLst>
-                                    </p:anim>
-                                    <p:anim calcmode="lin" valueType="num">
-                                      <p:cBhvr>
-                                        <p:cTn id="17" dur="332" tmFilter="0, 0; 0.125,0.2665; 0.25,0.4; 0.375,0.465; 0.5,0.5;  0.625,0.535; 0.75,0.6; 0.875,0.7335; 1,1">
-                                          <p:stCondLst>
-                                            <p:cond delay="1324"/>
-                                          </p:stCondLst>
-                                        </p:cTn>
-                                        <p:tgtEl>
-                                          <p:spTgt spid="2060"/>
-                                        </p:tgtEl>
-                                        <p:attrNameLst>
-                                          <p:attrName>ppt_y</p:attrName>
-                                        </p:attrNameLst>
-                                      </p:cBhvr>
-                                      <p:tavLst>
-                                        <p:tav tm="0" fmla="#ppt_y-sin(pi*$)/27">
-                                          <p:val>
-                                            <p:fltVal val="0"/>
-                                          </p:val>
-                                        </p:tav>
-                                        <p:tav tm="100000">
-                                          <p:val>
-                                            <p:fltVal val="1"/>
-                                          </p:val>
-                                        </p:tav>
-                                      </p:tavLst>
-                                    </p:anim>
-                                    <p:anim calcmode="lin" valueType="num">
-                                      <p:cBhvr>
-                                        <p:cTn id="18" dur="164" tmFilter="0, 0; 0.125,0.2665; 0.25,0.4; 0.375,0.465; 0.5,0.5;  0.625,0.535; 0.75,0.6; 0.875,0.7335; 1,1">
-                                          <p:stCondLst>
-                                            <p:cond delay="1656"/>
-                                          </p:stCondLst>
-                                        </p:cTn>
-                                        <p:tgtEl>
-                                          <p:spTgt spid="2060"/>
-                                        </p:tgtEl>
-                                        <p:attrNameLst>
-                                          <p:attrName>ppt_y</p:attrName>
-                                        </p:attrNameLst>
-                                      </p:cBhvr>
-                                      <p:tavLst>
-                                        <p:tav tm="0" fmla="#ppt_y-sin(pi*$)/81">
-                                          <p:val>
-                                            <p:fltVal val="0"/>
-                                          </p:val>
-                                        </p:tav>
-                                        <p:tav tm="100000">
-                                          <p:val>
-                                            <p:fltVal val="1"/>
-                                          </p:val>
-                                        </p:tav>
-                                      </p:tavLst>
-                                    </p:anim>
-                                    <p:animScale>
-                                      <p:cBhvr>
-                                        <p:cTn id="19" dur="26">
-                                          <p:stCondLst>
-                                            <p:cond delay="650"/>
-                                          </p:stCondLst>
-                                        </p:cTn>
-                                        <p:tgtEl>
-                                          <p:spTgt spid="2060"/>
-                                        </p:tgtEl>
-                                      </p:cBhvr>
-                                      <p:to x="100000" y="60000"/>
-                                    </p:animScale>
-                                    <p:animScale>
-                                      <p:cBhvr>
-                                        <p:cTn id="20" dur="166" decel="50000">
-                                          <p:stCondLst>
-                                            <p:cond delay="676"/>
-                                          </p:stCondLst>
-                                        </p:cTn>
-                                        <p:tgtEl>
-                                          <p:spTgt spid="2060"/>
-                                        </p:tgtEl>
-                                      </p:cBhvr>
-                                      <p:to x="100000" y="100000"/>
-                                    </p:animScale>
-                                    <p:animScale>
-                                      <p:cBhvr>
-                                        <p:cTn id="21" dur="26">
-                                          <p:stCondLst>
-                                            <p:cond delay="1312"/>
-                                          </p:stCondLst>
-                                        </p:cTn>
-                                        <p:tgtEl>
-                                          <p:spTgt spid="2060"/>
-                                        </p:tgtEl>
-                                      </p:cBhvr>
-                                      <p:to x="100000" y="80000"/>
-                                    </p:animScale>
-                                    <p:animScale>
-                                      <p:cBhvr>
-                                        <p:cTn id="22" dur="166" decel="50000">
-                                          <p:stCondLst>
-                                            <p:cond delay="1338"/>
-                                          </p:stCondLst>
-                                        </p:cTn>
-                                        <p:tgtEl>
-                                          <p:spTgt spid="2060"/>
-                                        </p:tgtEl>
-                                      </p:cBhvr>
-                                      <p:to x="100000" y="100000"/>
-                                    </p:animScale>
-                                    <p:animScale>
-                                      <p:cBhvr>
-                                        <p:cTn id="23" dur="26">
-                                          <p:stCondLst>
-                                            <p:cond delay="1642"/>
-                                          </p:stCondLst>
-                                        </p:cTn>
-                                        <p:tgtEl>
-                                          <p:spTgt spid="2060"/>
-                                        </p:tgtEl>
-                                      </p:cBhvr>
-                                      <p:to x="100000" y="90000"/>
-                                    </p:animScale>
-                                    <p:animScale>
-                                      <p:cBhvr>
-                                        <p:cTn id="24" dur="166" decel="50000">
-                                          <p:stCondLst>
-                                            <p:cond delay="1668"/>
-                                          </p:stCondLst>
-                                        </p:cTn>
-                                        <p:tgtEl>
-                                          <p:spTgt spid="2060"/>
-                                        </p:tgtEl>
-                                      </p:cBhvr>
-                                      <p:to x="100000" y="100000"/>
-                                    </p:animScale>
-                                    <p:animScale>
-                                      <p:cBhvr>
-                                        <p:cTn id="25" dur="26">
-                                          <p:stCondLst>
-                                            <p:cond delay="1808"/>
-                                          </p:stCondLst>
-                                        </p:cTn>
-                                        <p:tgtEl>
-                                          <p:spTgt spid="2060"/>
-                                        </p:tgtEl>
-                                      </p:cBhvr>
-                                      <p:to x="100000" y="95000"/>
-                                    </p:animScale>
-                                    <p:animScale>
-                                      <p:cBhvr>
-                                        <p:cTn id="26" dur="166" decel="50000">
-                                          <p:stCondLst>
-                                            <p:cond delay="1834"/>
-                                          </p:stCondLst>
-                                        </p:cTn>
-                                        <p:tgtEl>
-                                          <p:spTgt spid="2060"/>
-                                        </p:tgtEl>
-                                      </p:cBhvr>
-                                      <p:to x="100000" y="100000"/>
-                                    </p:animScale>
                                   </p:childTnLst>
                                 </p:cTn>
                               </p:par>

--- a/Accidentes_v2.pptx
+++ b/Accidentes_v2.pptx
@@ -159,10 +159,9 @@
           </a:lstStyle>
           <a:p>
             <a:r>
-              <a:rPr lang="es-ES" smtClean="0"/>
+              <a:rPr lang="es-ES"/>
               <a:t>Haga clic para modificar el estilo de título del patrón</a:t>
             </a:r>
-            <a:endParaRPr lang="es-ES"/>
           </a:p>
         </p:txBody>
       </p:sp>
@@ -224,10 +223,9 @@
           </a:lstStyle>
           <a:p>
             <a:r>
-              <a:rPr lang="es-ES" smtClean="0"/>
+              <a:rPr lang="es-ES"/>
               <a:t>Haga clic para editar el estilo de subtítulo del patrón</a:t>
             </a:r>
-            <a:endParaRPr lang="es-ES"/>
           </a:p>
         </p:txBody>
       </p:sp>
@@ -342,10 +340,9 @@
           <a:lstStyle/>
           <a:p>
             <a:r>
-              <a:rPr lang="es-ES" smtClean="0"/>
+              <a:rPr lang="es-ES"/>
               <a:t>Haga clic para modificar el estilo de título del patrón</a:t>
             </a:r>
-            <a:endParaRPr lang="es-ES"/>
           </a:p>
         </p:txBody>
       </p:sp>
@@ -366,38 +363,37 @@
           <a:p>
             <a:pPr lvl="0"/>
             <a:r>
-              <a:rPr lang="es-ES" smtClean="0"/>
+              <a:rPr lang="es-ES"/>
               <a:t>Editar el estilo de texto del patrón</a:t>
             </a:r>
           </a:p>
           <a:p>
             <a:pPr lvl="1"/>
             <a:r>
-              <a:rPr lang="es-ES" smtClean="0"/>
+              <a:rPr lang="es-ES"/>
               <a:t>Segundo nivel</a:t>
             </a:r>
           </a:p>
           <a:p>
             <a:pPr lvl="2"/>
             <a:r>
-              <a:rPr lang="es-ES" smtClean="0"/>
+              <a:rPr lang="es-ES"/>
               <a:t>Tercer nivel</a:t>
             </a:r>
           </a:p>
           <a:p>
             <a:pPr lvl="3"/>
             <a:r>
-              <a:rPr lang="es-ES" smtClean="0"/>
+              <a:rPr lang="es-ES"/>
               <a:t>Cuarto nivel</a:t>
             </a:r>
           </a:p>
           <a:p>
             <a:pPr lvl="4"/>
             <a:r>
-              <a:rPr lang="es-ES" smtClean="0"/>
+              <a:rPr lang="es-ES"/>
               <a:t>Quinto nivel</a:t>
             </a:r>
-            <a:endParaRPr lang="es-ES"/>
           </a:p>
         </p:txBody>
       </p:sp>
@@ -517,10 +513,9 @@
           <a:lstStyle/>
           <a:p>
             <a:r>
-              <a:rPr lang="es-ES" smtClean="0"/>
+              <a:rPr lang="es-ES"/>
               <a:t>Haga clic para modificar el estilo de título del patrón</a:t>
             </a:r>
-            <a:endParaRPr lang="es-ES"/>
           </a:p>
         </p:txBody>
       </p:sp>
@@ -546,38 +541,37 @@
           <a:p>
             <a:pPr lvl="0"/>
             <a:r>
-              <a:rPr lang="es-ES" smtClean="0"/>
+              <a:rPr lang="es-ES"/>
               <a:t>Editar el estilo de texto del patrón</a:t>
             </a:r>
           </a:p>
           <a:p>
             <a:pPr lvl="1"/>
             <a:r>
-              <a:rPr lang="es-ES" smtClean="0"/>
+              <a:rPr lang="es-ES"/>
               <a:t>Segundo nivel</a:t>
             </a:r>
           </a:p>
           <a:p>
             <a:pPr lvl="2"/>
             <a:r>
-              <a:rPr lang="es-ES" smtClean="0"/>
+              <a:rPr lang="es-ES"/>
               <a:t>Tercer nivel</a:t>
             </a:r>
           </a:p>
           <a:p>
             <a:pPr lvl="3"/>
             <a:r>
-              <a:rPr lang="es-ES" smtClean="0"/>
+              <a:rPr lang="es-ES"/>
               <a:t>Cuarto nivel</a:t>
             </a:r>
           </a:p>
           <a:p>
             <a:pPr lvl="4"/>
             <a:r>
-              <a:rPr lang="es-ES" smtClean="0"/>
+              <a:rPr lang="es-ES"/>
               <a:t>Quinto nivel</a:t>
             </a:r>
-            <a:endParaRPr lang="es-ES"/>
           </a:p>
         </p:txBody>
       </p:sp>
@@ -1757,7 +1751,7 @@
           </a:lstStyle>
           <a:p>
             <a:r>
-              <a:rPr lang="es-ES" smtClean="0"/>
+              <a:rPr lang="es-ES"/>
               <a:t>Haga clic para modificar el estilo de título del patrón</a:t>
             </a:r>
             <a:endParaRPr lang="en-US" dirty="0"/>
@@ -1831,7 +1825,7 @@
           </a:lstStyle>
           <a:p>
             <a:r>
-              <a:rPr lang="es-ES" smtClean="0"/>
+              <a:rPr lang="es-ES"/>
               <a:t>Haga clic para editar el estilo de subtítulo del patrón</a:t>
             </a:r>
             <a:endParaRPr lang="en-US" dirty="0"/>
@@ -2032,7 +2026,7 @@
           <a:lstStyle/>
           <a:p>
             <a:r>
-              <a:rPr lang="es-ES" smtClean="0"/>
+              <a:rPr lang="es-ES"/>
               <a:t>Haga clic para modificar el estilo de título del patrón</a:t>
             </a:r>
             <a:endParaRPr lang="en-US" dirty="0"/>
@@ -2056,35 +2050,35 @@
           <a:p>
             <a:pPr lvl="0"/>
             <a:r>
-              <a:rPr lang="es-ES" smtClean="0"/>
+              <a:rPr lang="es-ES"/>
               <a:t>Editar el estilo de texto del patrón</a:t>
             </a:r>
           </a:p>
           <a:p>
             <a:pPr lvl="1"/>
             <a:r>
-              <a:rPr lang="es-ES" smtClean="0"/>
+              <a:rPr lang="es-ES"/>
               <a:t>Segundo nivel</a:t>
             </a:r>
           </a:p>
           <a:p>
             <a:pPr lvl="2"/>
             <a:r>
-              <a:rPr lang="es-ES" smtClean="0"/>
+              <a:rPr lang="es-ES"/>
               <a:t>Tercer nivel</a:t>
             </a:r>
           </a:p>
           <a:p>
             <a:pPr lvl="3"/>
             <a:r>
-              <a:rPr lang="es-ES" smtClean="0"/>
+              <a:rPr lang="es-ES"/>
               <a:t>Cuarto nivel</a:t>
             </a:r>
           </a:p>
           <a:p>
             <a:pPr lvl="4"/>
             <a:r>
-              <a:rPr lang="es-ES" smtClean="0"/>
+              <a:rPr lang="es-ES"/>
               <a:t>Quinto nivel</a:t>
             </a:r>
             <a:endParaRPr lang="en-US" dirty="0"/>
@@ -2225,7 +2219,7 @@
           </a:lstStyle>
           <a:p>
             <a:r>
-              <a:rPr lang="es-ES" smtClean="0"/>
+              <a:rPr lang="es-ES"/>
               <a:t>Haga clic para modificar el estilo de título del patrón</a:t>
             </a:r>
             <a:endParaRPr lang="en-US" dirty="0"/>
@@ -2348,7 +2342,7 @@
           <a:p>
             <a:pPr lvl="0"/>
             <a:r>
-              <a:rPr lang="es-ES" smtClean="0"/>
+              <a:rPr lang="es-ES"/>
               <a:t>Editar el estilo de texto del patrón</a:t>
             </a:r>
           </a:p>
@@ -3447,7 +3441,7 @@
           <a:lstStyle/>
           <a:p>
             <a:r>
-              <a:rPr lang="es-ES" smtClean="0"/>
+              <a:rPr lang="es-ES"/>
               <a:t>Haga clic para modificar el estilo de título del patrón</a:t>
             </a:r>
             <a:endParaRPr lang="en-US" dirty="0"/>
@@ -3476,35 +3470,35 @@
           <a:p>
             <a:pPr lvl="0"/>
             <a:r>
-              <a:rPr lang="es-ES" smtClean="0"/>
+              <a:rPr lang="es-ES"/>
               <a:t>Editar el estilo de texto del patrón</a:t>
             </a:r>
           </a:p>
           <a:p>
             <a:pPr lvl="1"/>
             <a:r>
-              <a:rPr lang="es-ES" smtClean="0"/>
+              <a:rPr lang="es-ES"/>
               <a:t>Segundo nivel</a:t>
             </a:r>
           </a:p>
           <a:p>
             <a:pPr lvl="2"/>
             <a:r>
-              <a:rPr lang="es-ES" smtClean="0"/>
+              <a:rPr lang="es-ES"/>
               <a:t>Tercer nivel</a:t>
             </a:r>
           </a:p>
           <a:p>
             <a:pPr lvl="3"/>
             <a:r>
-              <a:rPr lang="es-ES" smtClean="0"/>
+              <a:rPr lang="es-ES"/>
               <a:t>Cuarto nivel</a:t>
             </a:r>
           </a:p>
           <a:p>
             <a:pPr lvl="4"/>
             <a:r>
-              <a:rPr lang="es-ES" smtClean="0"/>
+              <a:rPr lang="es-ES"/>
               <a:t>Quinto nivel</a:t>
             </a:r>
             <a:endParaRPr lang="en-US" dirty="0"/>
@@ -3533,35 +3527,35 @@
           <a:p>
             <a:pPr lvl="0"/>
             <a:r>
-              <a:rPr lang="es-ES" smtClean="0"/>
+              <a:rPr lang="es-ES"/>
               <a:t>Editar el estilo de texto del patrón</a:t>
             </a:r>
           </a:p>
           <a:p>
             <a:pPr lvl="1"/>
             <a:r>
-              <a:rPr lang="es-ES" smtClean="0"/>
+              <a:rPr lang="es-ES"/>
               <a:t>Segundo nivel</a:t>
             </a:r>
           </a:p>
           <a:p>
             <a:pPr lvl="2"/>
             <a:r>
-              <a:rPr lang="es-ES" smtClean="0"/>
+              <a:rPr lang="es-ES"/>
               <a:t>Tercer nivel</a:t>
             </a:r>
           </a:p>
           <a:p>
             <a:pPr lvl="3"/>
             <a:r>
-              <a:rPr lang="es-ES" smtClean="0"/>
+              <a:rPr lang="es-ES"/>
               <a:t>Cuarto nivel</a:t>
             </a:r>
           </a:p>
           <a:p>
             <a:pPr lvl="4"/>
             <a:r>
-              <a:rPr lang="es-ES" smtClean="0"/>
+              <a:rPr lang="es-ES"/>
               <a:t>Quinto nivel</a:t>
             </a:r>
             <a:endParaRPr lang="en-US" dirty="0"/>
@@ -3689,7 +3683,7 @@
           <a:lstStyle/>
           <a:p>
             <a:r>
-              <a:rPr lang="es-ES" smtClean="0"/>
+              <a:rPr lang="es-ES"/>
               <a:t>Haga clic para modificar el estilo de título del patrón</a:t>
             </a:r>
             <a:endParaRPr lang="en-US" dirty="0"/>
@@ -3764,7 +3758,7 @@
           <a:p>
             <a:pPr lvl="0"/>
             <a:r>
-              <a:rPr lang="es-ES" smtClean="0"/>
+              <a:rPr lang="es-ES"/>
               <a:t>Editar el estilo de texto del patrón</a:t>
             </a:r>
           </a:p>
@@ -3792,35 +3786,35 @@
           <a:p>
             <a:pPr lvl="0"/>
             <a:r>
-              <a:rPr lang="es-ES" smtClean="0"/>
+              <a:rPr lang="es-ES"/>
               <a:t>Editar el estilo de texto del patrón</a:t>
             </a:r>
           </a:p>
           <a:p>
             <a:pPr lvl="1"/>
             <a:r>
-              <a:rPr lang="es-ES" smtClean="0"/>
+              <a:rPr lang="es-ES"/>
               <a:t>Segundo nivel</a:t>
             </a:r>
           </a:p>
           <a:p>
             <a:pPr lvl="2"/>
             <a:r>
-              <a:rPr lang="es-ES" smtClean="0"/>
+              <a:rPr lang="es-ES"/>
               <a:t>Tercer nivel</a:t>
             </a:r>
           </a:p>
           <a:p>
             <a:pPr lvl="3"/>
             <a:r>
-              <a:rPr lang="es-ES" smtClean="0"/>
+              <a:rPr lang="es-ES"/>
               <a:t>Cuarto nivel</a:t>
             </a:r>
           </a:p>
           <a:p>
             <a:pPr lvl="4"/>
             <a:r>
-              <a:rPr lang="es-ES" smtClean="0"/>
+              <a:rPr lang="es-ES"/>
               <a:t>Quinto nivel</a:t>
             </a:r>
             <a:endParaRPr lang="en-US" dirty="0"/>
@@ -3895,7 +3889,7 @@
           <a:p>
             <a:pPr lvl="0"/>
             <a:r>
-              <a:rPr lang="es-ES" smtClean="0"/>
+              <a:rPr lang="es-ES"/>
               <a:t>Editar el estilo de texto del patrón</a:t>
             </a:r>
           </a:p>
@@ -3923,35 +3917,35 @@
           <a:p>
             <a:pPr lvl="0"/>
             <a:r>
-              <a:rPr lang="es-ES" smtClean="0"/>
+              <a:rPr lang="es-ES"/>
               <a:t>Editar el estilo de texto del patrón</a:t>
             </a:r>
           </a:p>
           <a:p>
             <a:pPr lvl="1"/>
             <a:r>
-              <a:rPr lang="es-ES" smtClean="0"/>
+              <a:rPr lang="es-ES"/>
               <a:t>Segundo nivel</a:t>
             </a:r>
           </a:p>
           <a:p>
             <a:pPr lvl="2"/>
             <a:r>
-              <a:rPr lang="es-ES" smtClean="0"/>
+              <a:rPr lang="es-ES"/>
               <a:t>Tercer nivel</a:t>
             </a:r>
           </a:p>
           <a:p>
             <a:pPr lvl="3"/>
             <a:r>
-              <a:rPr lang="es-ES" smtClean="0"/>
+              <a:rPr lang="es-ES"/>
               <a:t>Cuarto nivel</a:t>
             </a:r>
           </a:p>
           <a:p>
             <a:pPr lvl="4"/>
             <a:r>
-              <a:rPr lang="es-ES" smtClean="0"/>
+              <a:rPr lang="es-ES"/>
               <a:t>Quinto nivel</a:t>
             </a:r>
             <a:endParaRPr lang="en-US" dirty="0"/>
@@ -4074,7 +4068,7 @@
           <a:lstStyle/>
           <a:p>
             <a:r>
-              <a:rPr lang="es-ES" smtClean="0"/>
+              <a:rPr lang="es-ES"/>
               <a:t>Haga clic para modificar el estilo de título del patrón</a:t>
             </a:r>
             <a:endParaRPr lang="en-US" dirty="0"/>
@@ -4767,7 +4761,7 @@
           </a:lstStyle>
           <a:p>
             <a:r>
-              <a:rPr lang="es-ES" smtClean="0"/>
+              <a:rPr lang="es-ES"/>
               <a:t>Haga clic para modificar el estilo de título del patrón</a:t>
             </a:r>
             <a:endParaRPr lang="en-US" dirty="0"/>
@@ -4824,35 +4818,35 @@
           <a:p>
             <a:pPr lvl="0"/>
             <a:r>
-              <a:rPr lang="es-ES" smtClean="0"/>
+              <a:rPr lang="es-ES"/>
               <a:t>Editar el estilo de texto del patrón</a:t>
             </a:r>
           </a:p>
           <a:p>
             <a:pPr lvl="1"/>
             <a:r>
-              <a:rPr lang="es-ES" smtClean="0"/>
+              <a:rPr lang="es-ES"/>
               <a:t>Segundo nivel</a:t>
             </a:r>
           </a:p>
           <a:p>
             <a:pPr lvl="2"/>
             <a:r>
-              <a:rPr lang="es-ES" smtClean="0"/>
+              <a:rPr lang="es-ES"/>
               <a:t>Tercer nivel</a:t>
             </a:r>
           </a:p>
           <a:p>
             <a:pPr lvl="3"/>
             <a:r>
-              <a:rPr lang="es-ES" smtClean="0"/>
+              <a:rPr lang="es-ES"/>
               <a:t>Cuarto nivel</a:t>
             </a:r>
           </a:p>
           <a:p>
             <a:pPr lvl="4"/>
             <a:r>
-              <a:rPr lang="es-ES" smtClean="0"/>
+              <a:rPr lang="es-ES"/>
               <a:t>Quinto nivel</a:t>
             </a:r>
             <a:endParaRPr lang="en-US" dirty="0"/>
@@ -4928,7 +4922,7 @@
           <a:p>
             <a:pPr lvl="0"/>
             <a:r>
-              <a:rPr lang="es-ES" smtClean="0"/>
+              <a:rPr lang="es-ES"/>
               <a:t>Editar el estilo de texto del patrón</a:t>
             </a:r>
           </a:p>
@@ -5109,10 +5103,9 @@
           <a:lstStyle/>
           <a:p>
             <a:r>
-              <a:rPr lang="es-ES" smtClean="0"/>
+              <a:rPr lang="es-ES"/>
               <a:t>Haga clic para modificar el estilo de título del patrón</a:t>
             </a:r>
-            <a:endParaRPr lang="es-ES"/>
           </a:p>
         </p:txBody>
       </p:sp>
@@ -5133,38 +5126,37 @@
           <a:p>
             <a:pPr lvl="0"/>
             <a:r>
-              <a:rPr lang="es-ES" smtClean="0"/>
+              <a:rPr lang="es-ES"/>
               <a:t>Editar el estilo de texto del patrón</a:t>
             </a:r>
           </a:p>
           <a:p>
             <a:pPr lvl="1"/>
             <a:r>
-              <a:rPr lang="es-ES" smtClean="0"/>
+              <a:rPr lang="es-ES"/>
               <a:t>Segundo nivel</a:t>
             </a:r>
           </a:p>
           <a:p>
             <a:pPr lvl="2"/>
             <a:r>
-              <a:rPr lang="es-ES" smtClean="0"/>
+              <a:rPr lang="es-ES"/>
               <a:t>Tercer nivel</a:t>
             </a:r>
           </a:p>
           <a:p>
             <a:pPr lvl="3"/>
             <a:r>
-              <a:rPr lang="es-ES" smtClean="0"/>
+              <a:rPr lang="es-ES"/>
               <a:t>Cuarto nivel</a:t>
             </a:r>
           </a:p>
           <a:p>
             <a:pPr lvl="4"/>
             <a:r>
-              <a:rPr lang="es-ES" smtClean="0"/>
+              <a:rPr lang="es-ES"/>
               <a:t>Quinto nivel</a:t>
             </a:r>
-            <a:endParaRPr lang="es-ES"/>
           </a:p>
         </p:txBody>
       </p:sp>
@@ -5321,7 +5313,7 @@
           </a:lstStyle>
           <a:p>
             <a:r>
-              <a:rPr lang="es-ES" smtClean="0"/>
+              <a:rPr lang="es-ES"/>
               <a:t>Haga clic en el icono para agregar una imagen</a:t>
             </a:r>
             <a:endParaRPr lang="en-US" dirty="0"/>
@@ -5862,7 +5854,7 @@
           </a:lstStyle>
           <a:p>
             <a:r>
-              <a:rPr lang="es-ES" smtClean="0"/>
+              <a:rPr lang="es-ES"/>
               <a:t>Haga clic para modificar el estilo de título del patrón</a:t>
             </a:r>
             <a:endParaRPr lang="en-US" dirty="0"/>
@@ -5938,7 +5930,7 @@
           <a:p>
             <a:pPr lvl="0"/>
             <a:r>
-              <a:rPr lang="es-ES" smtClean="0"/>
+              <a:rPr lang="es-ES"/>
               <a:t>Editar el estilo de texto del patrón</a:t>
             </a:r>
           </a:p>
@@ -6070,7 +6062,7 @@
           <a:lstStyle/>
           <a:p>
             <a:r>
-              <a:rPr lang="es-ES" smtClean="0"/>
+              <a:rPr lang="es-ES"/>
               <a:t>Haga clic para modificar el estilo de título del patrón</a:t>
             </a:r>
             <a:endParaRPr lang="en-US" dirty="0"/>
@@ -6094,35 +6086,35 @@
           <a:p>
             <a:pPr lvl="0"/>
             <a:r>
-              <a:rPr lang="es-ES" smtClean="0"/>
+              <a:rPr lang="es-ES"/>
               <a:t>Editar el estilo de texto del patrón</a:t>
             </a:r>
           </a:p>
           <a:p>
             <a:pPr lvl="1"/>
             <a:r>
-              <a:rPr lang="es-ES" smtClean="0"/>
+              <a:rPr lang="es-ES"/>
               <a:t>Segundo nivel</a:t>
             </a:r>
           </a:p>
           <a:p>
             <a:pPr lvl="2"/>
             <a:r>
-              <a:rPr lang="es-ES" smtClean="0"/>
+              <a:rPr lang="es-ES"/>
               <a:t>Tercer nivel</a:t>
             </a:r>
           </a:p>
           <a:p>
             <a:pPr lvl="3"/>
             <a:r>
-              <a:rPr lang="es-ES" smtClean="0"/>
+              <a:rPr lang="es-ES"/>
               <a:t>Cuarto nivel</a:t>
             </a:r>
           </a:p>
           <a:p>
             <a:pPr lvl="4"/>
             <a:r>
-              <a:rPr lang="es-ES" smtClean="0"/>
+              <a:rPr lang="es-ES"/>
               <a:t>Quinto nivel</a:t>
             </a:r>
             <a:endParaRPr lang="en-US" dirty="0"/>
@@ -6245,7 +6237,7 @@
           <a:lstStyle/>
           <a:p>
             <a:r>
-              <a:rPr lang="es-ES" smtClean="0"/>
+              <a:rPr lang="es-ES"/>
               <a:t>Haga clic para modificar el estilo de título del patrón</a:t>
             </a:r>
             <a:endParaRPr lang="en-US" dirty="0"/>
@@ -6274,35 +6266,35 @@
           <a:p>
             <a:pPr lvl="0"/>
             <a:r>
-              <a:rPr lang="es-ES" smtClean="0"/>
+              <a:rPr lang="es-ES"/>
               <a:t>Editar el estilo de texto del patrón</a:t>
             </a:r>
           </a:p>
           <a:p>
             <a:pPr lvl="1"/>
             <a:r>
-              <a:rPr lang="es-ES" smtClean="0"/>
+              <a:rPr lang="es-ES"/>
               <a:t>Segundo nivel</a:t>
             </a:r>
           </a:p>
           <a:p>
             <a:pPr lvl="2"/>
             <a:r>
-              <a:rPr lang="es-ES" smtClean="0"/>
+              <a:rPr lang="es-ES"/>
               <a:t>Tercer nivel</a:t>
             </a:r>
           </a:p>
           <a:p>
             <a:pPr lvl="3"/>
             <a:r>
-              <a:rPr lang="es-ES" smtClean="0"/>
+              <a:rPr lang="es-ES"/>
               <a:t>Cuarto nivel</a:t>
             </a:r>
           </a:p>
           <a:p>
             <a:pPr lvl="4"/>
             <a:r>
-              <a:rPr lang="es-ES" smtClean="0"/>
+              <a:rPr lang="es-ES"/>
               <a:t>Quinto nivel</a:t>
             </a:r>
             <a:endParaRPr lang="en-US" dirty="0"/>
@@ -6429,10 +6421,9 @@
           </a:lstStyle>
           <a:p>
             <a:r>
-              <a:rPr lang="es-ES" smtClean="0"/>
+              <a:rPr lang="es-ES"/>
               <a:t>Haga clic para modificar el estilo de título del patrón</a:t>
             </a:r>
-            <a:endParaRPr lang="es-ES"/>
           </a:p>
         </p:txBody>
       </p:sp>
@@ -6549,7 +6540,7 @@
           <a:p>
             <a:pPr lvl="0"/>
             <a:r>
-              <a:rPr lang="es-ES" smtClean="0"/>
+              <a:rPr lang="es-ES"/>
               <a:t>Editar el estilo de texto del patrón</a:t>
             </a:r>
           </a:p>
@@ -6666,10 +6657,9 @@
           <a:lstStyle/>
           <a:p>
             <a:r>
-              <a:rPr lang="es-ES" smtClean="0"/>
+              <a:rPr lang="es-ES"/>
               <a:t>Haga clic para modificar el estilo de título del patrón</a:t>
             </a:r>
-            <a:endParaRPr lang="es-ES"/>
           </a:p>
         </p:txBody>
       </p:sp>
@@ -6695,38 +6685,37 @@
           <a:p>
             <a:pPr lvl="0"/>
             <a:r>
-              <a:rPr lang="es-ES" smtClean="0"/>
+              <a:rPr lang="es-ES"/>
               <a:t>Editar el estilo de texto del patrón</a:t>
             </a:r>
           </a:p>
           <a:p>
             <a:pPr lvl="1"/>
             <a:r>
-              <a:rPr lang="es-ES" smtClean="0"/>
+              <a:rPr lang="es-ES"/>
               <a:t>Segundo nivel</a:t>
             </a:r>
           </a:p>
           <a:p>
             <a:pPr lvl="2"/>
             <a:r>
-              <a:rPr lang="es-ES" smtClean="0"/>
+              <a:rPr lang="es-ES"/>
               <a:t>Tercer nivel</a:t>
             </a:r>
           </a:p>
           <a:p>
             <a:pPr lvl="3"/>
             <a:r>
-              <a:rPr lang="es-ES" smtClean="0"/>
+              <a:rPr lang="es-ES"/>
               <a:t>Cuarto nivel</a:t>
             </a:r>
           </a:p>
           <a:p>
             <a:pPr lvl="4"/>
             <a:r>
-              <a:rPr lang="es-ES" smtClean="0"/>
+              <a:rPr lang="es-ES"/>
               <a:t>Quinto nivel</a:t>
             </a:r>
-            <a:endParaRPr lang="es-ES"/>
           </a:p>
         </p:txBody>
       </p:sp>
@@ -6752,38 +6741,37 @@
           <a:p>
             <a:pPr lvl="0"/>
             <a:r>
-              <a:rPr lang="es-ES" smtClean="0"/>
+              <a:rPr lang="es-ES"/>
               <a:t>Editar el estilo de texto del patrón</a:t>
             </a:r>
           </a:p>
           <a:p>
             <a:pPr lvl="1"/>
             <a:r>
-              <a:rPr lang="es-ES" smtClean="0"/>
+              <a:rPr lang="es-ES"/>
               <a:t>Segundo nivel</a:t>
             </a:r>
           </a:p>
           <a:p>
             <a:pPr lvl="2"/>
             <a:r>
-              <a:rPr lang="es-ES" smtClean="0"/>
+              <a:rPr lang="es-ES"/>
               <a:t>Tercer nivel</a:t>
             </a:r>
           </a:p>
           <a:p>
             <a:pPr lvl="3"/>
             <a:r>
-              <a:rPr lang="es-ES" smtClean="0"/>
+              <a:rPr lang="es-ES"/>
               <a:t>Cuarto nivel</a:t>
             </a:r>
           </a:p>
           <a:p>
             <a:pPr lvl="4"/>
             <a:r>
-              <a:rPr lang="es-ES" smtClean="0"/>
+              <a:rPr lang="es-ES"/>
               <a:t>Quinto nivel</a:t>
             </a:r>
-            <a:endParaRPr lang="es-ES"/>
           </a:p>
         </p:txBody>
       </p:sp>
@@ -6908,10 +6896,9 @@
           <a:lstStyle/>
           <a:p>
             <a:r>
-              <a:rPr lang="es-ES" smtClean="0"/>
+              <a:rPr lang="es-ES"/>
               <a:t>Haga clic para modificar el estilo de título del patrón</a:t>
             </a:r>
-            <a:endParaRPr lang="es-ES"/>
           </a:p>
         </p:txBody>
       </p:sp>
@@ -6974,7 +6961,7 @@
           <a:p>
             <a:pPr lvl="0"/>
             <a:r>
-              <a:rPr lang="es-ES" smtClean="0"/>
+              <a:rPr lang="es-ES"/>
               <a:t>Editar el estilo de texto del patrón</a:t>
             </a:r>
           </a:p>
@@ -7002,38 +6989,37 @@
           <a:p>
             <a:pPr lvl="0"/>
             <a:r>
-              <a:rPr lang="es-ES" smtClean="0"/>
+              <a:rPr lang="es-ES"/>
               <a:t>Editar el estilo de texto del patrón</a:t>
             </a:r>
           </a:p>
           <a:p>
             <a:pPr lvl="1"/>
             <a:r>
-              <a:rPr lang="es-ES" smtClean="0"/>
+              <a:rPr lang="es-ES"/>
               <a:t>Segundo nivel</a:t>
             </a:r>
           </a:p>
           <a:p>
             <a:pPr lvl="2"/>
             <a:r>
-              <a:rPr lang="es-ES" smtClean="0"/>
+              <a:rPr lang="es-ES"/>
               <a:t>Tercer nivel</a:t>
             </a:r>
           </a:p>
           <a:p>
             <a:pPr lvl="3"/>
             <a:r>
-              <a:rPr lang="es-ES" smtClean="0"/>
+              <a:rPr lang="es-ES"/>
               <a:t>Cuarto nivel</a:t>
             </a:r>
           </a:p>
           <a:p>
             <a:pPr lvl="4"/>
             <a:r>
-              <a:rPr lang="es-ES" smtClean="0"/>
+              <a:rPr lang="es-ES"/>
               <a:t>Quinto nivel</a:t>
             </a:r>
-            <a:endParaRPr lang="es-ES"/>
           </a:p>
         </p:txBody>
       </p:sp>
@@ -7096,7 +7082,7 @@
           <a:p>
             <a:pPr lvl="0"/>
             <a:r>
-              <a:rPr lang="es-ES" smtClean="0"/>
+              <a:rPr lang="es-ES"/>
               <a:t>Editar el estilo de texto del patrón</a:t>
             </a:r>
           </a:p>
@@ -7124,38 +7110,37 @@
           <a:p>
             <a:pPr lvl="0"/>
             <a:r>
-              <a:rPr lang="es-ES" smtClean="0"/>
+              <a:rPr lang="es-ES"/>
               <a:t>Editar el estilo de texto del patrón</a:t>
             </a:r>
           </a:p>
           <a:p>
             <a:pPr lvl="1"/>
             <a:r>
-              <a:rPr lang="es-ES" smtClean="0"/>
+              <a:rPr lang="es-ES"/>
               <a:t>Segundo nivel</a:t>
             </a:r>
           </a:p>
           <a:p>
             <a:pPr lvl="2"/>
             <a:r>
-              <a:rPr lang="es-ES" smtClean="0"/>
+              <a:rPr lang="es-ES"/>
               <a:t>Tercer nivel</a:t>
             </a:r>
           </a:p>
           <a:p>
             <a:pPr lvl="3"/>
             <a:r>
-              <a:rPr lang="es-ES" smtClean="0"/>
+              <a:rPr lang="es-ES"/>
               <a:t>Cuarto nivel</a:t>
             </a:r>
           </a:p>
           <a:p>
             <a:pPr lvl="4"/>
             <a:r>
-              <a:rPr lang="es-ES" smtClean="0"/>
+              <a:rPr lang="es-ES"/>
               <a:t>Quinto nivel</a:t>
             </a:r>
-            <a:endParaRPr lang="es-ES"/>
           </a:p>
         </p:txBody>
       </p:sp>
@@ -7275,10 +7260,9 @@
           <a:lstStyle/>
           <a:p>
             <a:r>
-              <a:rPr lang="es-ES" smtClean="0"/>
+              <a:rPr lang="es-ES"/>
               <a:t>Haga clic para modificar el estilo de título del patrón</a:t>
             </a:r>
-            <a:endParaRPr lang="es-ES"/>
           </a:p>
         </p:txBody>
       </p:sp>
@@ -7497,10 +7481,9 @@
           </a:lstStyle>
           <a:p>
             <a:r>
-              <a:rPr lang="es-ES" smtClean="0"/>
+              <a:rPr lang="es-ES"/>
               <a:t>Haga clic para modificar el estilo de título del patrón</a:t>
             </a:r>
-            <a:endParaRPr lang="es-ES"/>
           </a:p>
         </p:txBody>
       </p:sp>
@@ -7554,38 +7537,37 @@
           <a:p>
             <a:pPr lvl="0"/>
             <a:r>
-              <a:rPr lang="es-ES" smtClean="0"/>
+              <a:rPr lang="es-ES"/>
               <a:t>Editar el estilo de texto del patrón</a:t>
             </a:r>
           </a:p>
           <a:p>
             <a:pPr lvl="1"/>
             <a:r>
-              <a:rPr lang="es-ES" smtClean="0"/>
+              <a:rPr lang="es-ES"/>
               <a:t>Segundo nivel</a:t>
             </a:r>
           </a:p>
           <a:p>
             <a:pPr lvl="2"/>
             <a:r>
-              <a:rPr lang="es-ES" smtClean="0"/>
+              <a:rPr lang="es-ES"/>
               <a:t>Tercer nivel</a:t>
             </a:r>
           </a:p>
           <a:p>
             <a:pPr lvl="3"/>
             <a:r>
-              <a:rPr lang="es-ES" smtClean="0"/>
+              <a:rPr lang="es-ES"/>
               <a:t>Cuarto nivel</a:t>
             </a:r>
           </a:p>
           <a:p>
             <a:pPr lvl="4"/>
             <a:r>
-              <a:rPr lang="es-ES" smtClean="0"/>
+              <a:rPr lang="es-ES"/>
               <a:t>Quinto nivel</a:t>
             </a:r>
-            <a:endParaRPr lang="es-ES"/>
           </a:p>
         </p:txBody>
       </p:sp>
@@ -7648,7 +7630,7 @@
           <a:p>
             <a:pPr lvl="0"/>
             <a:r>
-              <a:rPr lang="es-ES" smtClean="0"/>
+              <a:rPr lang="es-ES"/>
               <a:t>Editar el estilo de texto del patrón</a:t>
             </a:r>
           </a:p>
@@ -7779,10 +7761,9 @@
           </a:lstStyle>
           <a:p>
             <a:r>
-              <a:rPr lang="es-ES" smtClean="0"/>
+              <a:rPr lang="es-ES"/>
               <a:t>Haga clic para modificar el estilo de título del patrón</a:t>
             </a:r>
-            <a:endParaRPr lang="es-ES"/>
           </a:p>
         </p:txBody>
       </p:sp>
@@ -7906,7 +7887,7 @@
           <a:p>
             <a:pPr lvl="0"/>
             <a:r>
-              <a:rPr lang="es-ES" smtClean="0"/>
+              <a:rPr lang="es-ES"/>
               <a:t>Editar el estilo de texto del patrón</a:t>
             </a:r>
           </a:p>
@@ -8038,10 +8019,9 @@
           <a:lstStyle/>
           <a:p>
             <a:r>
-              <a:rPr lang="es-ES" smtClean="0"/>
+              <a:rPr lang="es-ES"/>
               <a:t>Haga clic para modificar el estilo de título del patrón</a:t>
             </a:r>
-            <a:endParaRPr lang="es-ES"/>
           </a:p>
         </p:txBody>
       </p:sp>
@@ -8072,38 +8052,37 @@
           <a:p>
             <a:pPr lvl="0"/>
             <a:r>
-              <a:rPr lang="es-ES" smtClean="0"/>
+              <a:rPr lang="es-ES"/>
               <a:t>Editar el estilo de texto del patrón</a:t>
             </a:r>
           </a:p>
           <a:p>
             <a:pPr lvl="1"/>
             <a:r>
-              <a:rPr lang="es-ES" smtClean="0"/>
+              <a:rPr lang="es-ES"/>
               <a:t>Segundo nivel</a:t>
             </a:r>
           </a:p>
           <a:p>
             <a:pPr lvl="2"/>
             <a:r>
-              <a:rPr lang="es-ES" smtClean="0"/>
+              <a:rPr lang="es-ES"/>
               <a:t>Tercer nivel</a:t>
             </a:r>
           </a:p>
           <a:p>
             <a:pPr lvl="3"/>
             <a:r>
-              <a:rPr lang="es-ES" smtClean="0"/>
+              <a:rPr lang="es-ES"/>
               <a:t>Cuarto nivel</a:t>
             </a:r>
           </a:p>
           <a:p>
             <a:pPr lvl="4"/>
             <a:r>
-              <a:rPr lang="es-ES" smtClean="0"/>
+              <a:rPr lang="es-ES"/>
               <a:t>Quinto nivel</a:t>
             </a:r>
-            <a:endParaRPr lang="es-ES"/>
           </a:p>
         </p:txBody>
       </p:sp>
@@ -8586,7 +8565,7 @@
           <a:lstStyle/>
           <a:p>
             <a:r>
-              <a:rPr lang="es-ES" smtClean="0"/>
+              <a:rPr lang="es-ES"/>
               <a:t>Haga clic para modificar el estilo de título del patrón</a:t>
             </a:r>
             <a:endParaRPr lang="en-US" dirty="0"/>
@@ -8620,35 +8599,35 @@
           <a:p>
             <a:pPr lvl="0"/>
             <a:r>
-              <a:rPr lang="es-ES" smtClean="0"/>
+              <a:rPr lang="es-ES"/>
               <a:t>Editar el estilo de texto del patrón</a:t>
             </a:r>
           </a:p>
           <a:p>
             <a:pPr lvl="1"/>
             <a:r>
-              <a:rPr lang="es-ES" smtClean="0"/>
+              <a:rPr lang="es-ES"/>
               <a:t>Segundo nivel</a:t>
             </a:r>
           </a:p>
           <a:p>
             <a:pPr lvl="2"/>
             <a:r>
-              <a:rPr lang="es-ES" smtClean="0"/>
+              <a:rPr lang="es-ES"/>
               <a:t>Tercer nivel</a:t>
             </a:r>
           </a:p>
           <a:p>
             <a:pPr lvl="3"/>
             <a:r>
-              <a:rPr lang="es-ES" smtClean="0"/>
+              <a:rPr lang="es-ES"/>
               <a:t>Cuarto nivel</a:t>
             </a:r>
           </a:p>
           <a:p>
             <a:pPr lvl="4"/>
             <a:r>
-              <a:rPr lang="es-ES" smtClean="0"/>
+              <a:rPr lang="es-ES"/>
               <a:t>Quinto nivel</a:t>
             </a:r>
             <a:endParaRPr lang="en-US" dirty="0"/>
@@ -9674,18 +9653,18 @@
 </file>
 
 <file path=ppt/slides/slide1.xml><?xml version="1.0" encoding="utf-8"?>
-<p:sld xmlns:a="http://schemas.openxmlformats.org/drawingml/2006/main" xmlns:r="http://schemas.openxmlformats.org/officeDocument/2006/relationships" xmlns:p="http://schemas.openxmlformats.org/presentationml/2006/main">
+<p:sld xmlns:a="http://schemas.openxmlformats.org/drawingml/2006/main" xmlns:r="http://schemas.openxmlformats.org/officeDocument/2006/relationships" xmlns:p="http://schemas.openxmlformats.org/presentationml/2006/main" showMasterSp="0">
   <p:cSld>
     <p:bg>
       <p:bgPr>
         <a:blipFill dpi="0" rotWithShape="1">
           <a:blip r:embed="rId2">
-            <a:alphaModFix amt="35000"/>
+            <a:alphaModFix amt="90000"/>
             <a:lum/>
           </a:blip>
           <a:srcRect/>
           <a:stretch>
-            <a:fillRect t="-8000" b="-8000"/>
+            <a:fillRect/>
           </a:stretch>
         </a:blipFill>
         <a:effectLst/>
@@ -9736,7 +9715,7 @@
           <a:p>
             <a:pPr algn="ctr"/>
             <a:r>
-              <a:rPr lang="es-ES" sz="6000" b="1" dirty="0" smtClean="0">
+              <a:rPr lang="es-ES" sz="6000" b="1" dirty="0">
                 <a:ln w="19050">
                   <a:solidFill>
                     <a:schemeClr val="tx1"/>
@@ -9746,15 +9725,68 @@
                   <a:schemeClr val="bg1"/>
                 </a:solidFill>
                 <a:effectLst>
+                  <a:outerShdw blurRad="38100" dist="38100" dir="2700000" algn="tl">
+                    <a:srgbClr val="000000">
+                      <a:alpha val="43137"/>
+                    </a:srgbClr>
+                  </a:outerShdw>
                   <a:reflection blurRad="6350" stA="55000" endA="300" endPos="45500" dir="5400000" sy="-100000" algn="bl" rotWithShape="0"/>
                 </a:effectLst>
-                <a:latin typeface="Segoe UI Symbol" panose="020B0502040204020203" pitchFamily="34" charset="0"/>
+                <a:latin typeface="Arial Rounded MT Bold" panose="020F0704030504030204" pitchFamily="34" charset="0"/>
                 <a:ea typeface="Segoe UI Symbol" panose="020B0502040204020203" pitchFamily="34" charset="0"/>
               </a:rPr>
               <a:t>ACCIDENTALIDAD EN MADRID</a:t>
             </a:r>
-            <a:endParaRPr lang="es-ES" sz="6000" b="1" dirty="0">
-              <a:ln w="19050">
+          </a:p>
+        </p:txBody>
+      </p:sp>
+      <p:sp>
+        <p:nvSpPr>
+          <p:cNvPr id="7" name="CuadroTexto 6"/>
+          <p:cNvSpPr txBox="1"/>
+          <p:nvPr/>
+        </p:nvSpPr>
+        <p:spPr>
+          <a:xfrm>
+            <a:off x="567773" y="3699690"/>
+            <a:ext cx="5133975" cy="2739211"/>
+          </a:xfrm>
+          <a:prstGeom prst="rect">
+            <a:avLst/>
+          </a:prstGeom>
+          <a:noFill/>
+        </p:spPr>
+        <p:txBody>
+          <a:bodyPr wrap="square" rtlCol="0">
+            <a:spAutoFit/>
+          </a:bodyPr>
+          <a:lstStyle/>
+          <a:p>
+            <a:r>
+              <a:rPr lang="es-ES" sz="3200" b="1" u="sng" dirty="0">
+                <a:ln>
+                  <a:solidFill>
+                    <a:schemeClr val="tx1"/>
+                  </a:solidFill>
+                </a:ln>
+                <a:solidFill>
+                  <a:schemeClr val="bg1"/>
+                </a:solidFill>
+                <a:effectLst>
+                  <a:outerShdw blurRad="50800" dist="38100" dir="2700000" algn="tl" rotWithShape="0">
+                    <a:prstClr val="black">
+                      <a:alpha val="40000"/>
+                    </a:prstClr>
+                  </a:outerShdw>
+                </a:effectLst>
+                <a:latin typeface="Arial Black" panose="020B0A04020102020204" pitchFamily="34" charset="0"/>
+              </a:rPr>
+              <a:t>Integrantes:</a:t>
+            </a:r>
+          </a:p>
+          <a:p>
+            <a:endParaRPr lang="es-ES" sz="2000" b="1" u="sng" dirty="0">
+              <a:ln>
                 <a:solidFill>
                   <a:schemeClr val="tx1"/>
                 </a:solidFill>
@@ -9763,113 +9795,146 @@
                 <a:schemeClr val="bg1"/>
               </a:solidFill>
               <a:effectLst>
-                <a:reflection blurRad="6350" stA="55000" endA="300" endPos="45500" dir="5400000" sy="-100000" algn="bl" rotWithShape="0"/>
+                <a:outerShdw blurRad="50800" dist="38100" dir="2700000" algn="tl" rotWithShape="0">
+                  <a:prstClr val="black">
+                    <a:alpha val="40000"/>
+                  </a:prstClr>
+                </a:outerShdw>
               </a:effectLst>
-              <a:latin typeface="Segoe UI Symbol" panose="020B0502040204020203" pitchFamily="34" charset="0"/>
-              <a:ea typeface="Segoe UI Symbol" panose="020B0502040204020203" pitchFamily="34" charset="0"/>
+              <a:latin typeface="Arial Black" panose="020B0A04020102020204" pitchFamily="34" charset="0"/>
             </a:endParaRPr>
           </a:p>
-        </p:txBody>
-      </p:sp>
-      <p:sp>
-        <p:nvSpPr>
-          <p:cNvPr id="7" name="CuadroTexto 6"/>
-          <p:cNvSpPr txBox="1"/>
-          <p:nvPr/>
-        </p:nvSpPr>
-        <p:spPr>
-          <a:xfrm>
-            <a:off x="885825" y="3990975"/>
-            <a:ext cx="5133975" cy="2616101"/>
-          </a:xfrm>
-          <a:prstGeom prst="rect">
-            <a:avLst/>
-          </a:prstGeom>
-          <a:noFill/>
-        </p:spPr>
-        <p:txBody>
-          <a:bodyPr wrap="square" rtlCol="0">
-            <a:spAutoFit/>
-          </a:bodyPr>
-          <a:lstStyle/>
-          <a:p>
-            <a:r>
-              <a:rPr lang="es-ES" sz="2400" b="1" u="sng" dirty="0" smtClean="0">
+          <a:p>
+            <a:r>
+              <a:rPr lang="es-ES" sz="2400" b="1" dirty="0">
+                <a:ln>
+                  <a:solidFill>
+                    <a:schemeClr val="tx1"/>
+                  </a:solidFill>
+                </a:ln>
                 <a:solidFill>
                   <a:schemeClr val="bg1"/>
                 </a:solidFill>
-                <a:latin typeface="Century Gothic" panose="020B0502020202020204" pitchFamily="34" charset="0"/>
+                <a:effectLst>
+                  <a:outerShdw blurRad="50800" dist="38100" dir="2700000" algn="tl" rotWithShape="0">
+                    <a:prstClr val="black">
+                      <a:alpha val="40000"/>
+                    </a:prstClr>
+                  </a:outerShdw>
+                </a:effectLst>
+                <a:latin typeface="Arial Black" panose="020B0A04020102020204" pitchFamily="34" charset="0"/>
               </a:rPr>
-              <a:t>Integrantes:</a:t>
-            </a:r>
-          </a:p>
-          <a:p>
-            <a:endParaRPr lang="es-ES" sz="2000" b="1" u="sng" dirty="0">
+              <a:t>Adrián Fernández de la Torre</a:t>
+            </a:r>
+          </a:p>
+          <a:p>
+            <a:r>
+              <a:rPr lang="es-ES" sz="2400" b="1" dirty="0">
+                <a:ln>
+                  <a:solidFill>
+                    <a:schemeClr val="tx1"/>
+                  </a:solidFill>
+                </a:ln>
+                <a:solidFill>
+                  <a:schemeClr val="bg1"/>
+                </a:solidFill>
+                <a:effectLst>
+                  <a:outerShdw blurRad="50800" dist="38100" dir="2700000" algn="tl" rotWithShape="0">
+                    <a:prstClr val="black">
+                      <a:alpha val="40000"/>
+                    </a:prstClr>
+                  </a:outerShdw>
+                </a:effectLst>
+                <a:latin typeface="Arial Black" panose="020B0A04020102020204" pitchFamily="34" charset="0"/>
+              </a:rPr>
+              <a:t>Arturo Pinar Adán</a:t>
+            </a:r>
+          </a:p>
+          <a:p>
+            <a:r>
+              <a:rPr lang="es-ES" sz="2400" b="1" dirty="0">
+                <a:ln>
+                  <a:solidFill>
+                    <a:schemeClr val="tx1"/>
+                  </a:solidFill>
+                </a:ln>
+                <a:solidFill>
+                  <a:schemeClr val="bg1"/>
+                </a:solidFill>
+                <a:effectLst>
+                  <a:outerShdw blurRad="50800" dist="38100" dir="2700000" algn="tl" rotWithShape="0">
+                    <a:prstClr val="black">
+                      <a:alpha val="40000"/>
+                    </a:prstClr>
+                  </a:outerShdw>
+                </a:effectLst>
+                <a:latin typeface="Arial Black" panose="020B0A04020102020204" pitchFamily="34" charset="0"/>
+              </a:rPr>
+              <a:t>Arturo Aguirre Calvo</a:t>
+            </a:r>
+          </a:p>
+          <a:p>
+            <a:r>
+              <a:rPr lang="es-ES" sz="2400" b="1" dirty="0">
+                <a:ln>
+                  <a:solidFill>
+                    <a:schemeClr val="tx1"/>
+                  </a:solidFill>
+                </a:ln>
+                <a:solidFill>
+                  <a:schemeClr val="bg1"/>
+                </a:solidFill>
+                <a:effectLst>
+                  <a:outerShdw blurRad="50800" dist="38100" dir="2700000" algn="tl" rotWithShape="0">
+                    <a:prstClr val="black">
+                      <a:alpha val="40000"/>
+                    </a:prstClr>
+                  </a:outerShdw>
+                </a:effectLst>
+                <a:latin typeface="Arial Black" panose="020B0A04020102020204" pitchFamily="34" charset="0"/>
+              </a:rPr>
+              <a:t>Ismael Setti Alonso</a:t>
+            </a:r>
+          </a:p>
+          <a:p>
+            <a:r>
+              <a:rPr lang="es-ES" sz="2400" b="1" dirty="0">
+                <a:ln>
+                  <a:solidFill>
+                    <a:schemeClr val="tx1"/>
+                  </a:solidFill>
+                </a:ln>
+                <a:solidFill>
+                  <a:schemeClr val="bg1"/>
+                </a:solidFill>
+                <a:effectLst>
+                  <a:outerShdw blurRad="50800" dist="38100" dir="2700000" algn="tl" rotWithShape="0">
+                    <a:prstClr val="black">
+                      <a:alpha val="40000"/>
+                    </a:prstClr>
+                  </a:outerShdw>
+                </a:effectLst>
+                <a:latin typeface="Arial Black" panose="020B0A04020102020204" pitchFamily="34" charset="0"/>
+              </a:rPr>
+              <a:t>Adrián Burillo Elmaleh</a:t>
+            </a:r>
+            <a:endParaRPr lang="es-ES" sz="2000" b="1" dirty="0">
+              <a:ln>
+                <a:solidFill>
+                  <a:schemeClr val="tx1"/>
+                </a:solidFill>
+              </a:ln>
               <a:solidFill>
                 <a:schemeClr val="bg1"/>
               </a:solidFill>
-              <a:latin typeface="Century Gothic" panose="020B0502020202020204" pitchFamily="34" charset="0"/>
-            </a:endParaRPr>
-          </a:p>
-          <a:p>
-            <a:r>
-              <a:rPr lang="es-ES" sz="2400" dirty="0" smtClean="0">
-                <a:solidFill>
-                  <a:schemeClr val="bg1"/>
-                </a:solidFill>
-                <a:latin typeface="Century Gothic" panose="020B0502020202020204" pitchFamily="34" charset="0"/>
-              </a:rPr>
-              <a:t>Adrián Fernández de la Torre</a:t>
-            </a:r>
-          </a:p>
-          <a:p>
-            <a:r>
-              <a:rPr lang="es-ES" sz="2400" dirty="0" smtClean="0">
-                <a:solidFill>
-                  <a:schemeClr val="bg1"/>
-                </a:solidFill>
-                <a:latin typeface="Century Gothic" panose="020B0502020202020204" pitchFamily="34" charset="0"/>
-              </a:rPr>
-              <a:t>Arturo Pinar Adán</a:t>
-            </a:r>
-          </a:p>
-          <a:p>
-            <a:r>
-              <a:rPr lang="es-ES" sz="2400" dirty="0" smtClean="0">
-                <a:solidFill>
-                  <a:schemeClr val="bg1"/>
-                </a:solidFill>
-                <a:latin typeface="Century Gothic" panose="020B0502020202020204" pitchFamily="34" charset="0"/>
-              </a:rPr>
-              <a:t>Arturo Aguirre Calvo</a:t>
-            </a:r>
-          </a:p>
-          <a:p>
-            <a:r>
-              <a:rPr lang="es-ES" sz="2400" dirty="0" smtClean="0">
-                <a:solidFill>
-                  <a:schemeClr val="bg1"/>
-                </a:solidFill>
-                <a:latin typeface="Century Gothic" panose="020B0502020202020204" pitchFamily="34" charset="0"/>
-              </a:rPr>
-              <a:t>Ismael Setti Alonso</a:t>
-            </a:r>
-          </a:p>
-          <a:p>
-            <a:r>
-              <a:rPr lang="es-ES" sz="2400" dirty="0" smtClean="0">
-                <a:solidFill>
-                  <a:schemeClr val="bg1"/>
-                </a:solidFill>
-                <a:latin typeface="Century Gothic" panose="020B0502020202020204" pitchFamily="34" charset="0"/>
-              </a:rPr>
-              <a:t>Adrián Burillo Elmaleh</a:t>
-            </a:r>
-            <a:endParaRPr lang="es-ES" sz="2000" dirty="0">
-              <a:solidFill>
-                <a:schemeClr val="bg1"/>
-              </a:solidFill>
-              <a:latin typeface="Century Gothic" panose="020B0502020202020204" pitchFamily="34" charset="0"/>
+              <a:effectLst>
+                <a:outerShdw blurRad="50800" dist="38100" dir="2700000" algn="tl" rotWithShape="0">
+                  <a:prstClr val="black">
+                    <a:alpha val="40000"/>
+                  </a:prstClr>
+                </a:outerShdw>
+              </a:effectLst>
+              <a:latin typeface="Arial Black" panose="020B0A04020102020204" pitchFamily="34" charset="0"/>
             </a:endParaRPr>
           </a:p>
         </p:txBody>
@@ -9884,13 +9949,6 @@
   <p:clrMapOvr>
     <a:masterClrMapping/>
   </p:clrMapOvr>
-  <p:timing>
-    <p:tnLst>
-      <p:par>
-        <p:cTn id="1" dur="indefinite" restart="never" nodeType="tmRoot"/>
-      </p:par>
-    </p:tnLst>
-  </p:timing>
 </p:sld>
 </file>
 
@@ -9935,10 +9993,9 @@
           <a:p>
             <a:pPr algn="ctr"/>
             <a:r>
-              <a:rPr lang="es-ES" sz="2400" b="1" dirty="0" smtClean="0"/>
+              <a:rPr lang="es-ES" sz="2400" b="1" dirty="0"/>
               <a:t>¿Cuál es el problema que intentamos resolver con esta aplicación?</a:t>
             </a:r>
-            <a:endParaRPr lang="es-ES" sz="2400" b="1" dirty="0"/>
           </a:p>
         </p:txBody>
       </p:sp>
@@ -10009,12 +10066,12 @@
               <a:buChar char="•"/>
             </a:pPr>
             <a:r>
-              <a:rPr lang="es-ES" sz="2000" dirty="0" smtClean="0"/>
+              <a:rPr lang="es-ES" sz="2000" dirty="0"/>
               <a:t>Mostrar las zonas más accidentalizadas de Madrid</a:t>
             </a:r>
           </a:p>
           <a:p>
-            <a:endParaRPr lang="es-ES" sz="2000" dirty="0" smtClean="0"/>
+            <a:endParaRPr lang="es-ES" sz="2000" dirty="0"/>
           </a:p>
           <a:p>
             <a:pPr marL="285750" indent="-285750">
@@ -10022,12 +10079,12 @@
               <a:buChar char="•"/>
             </a:pPr>
             <a:r>
-              <a:rPr lang="es-ES" sz="2000" dirty="0" smtClean="0"/>
+              <a:rPr lang="es-ES" sz="2000" dirty="0"/>
               <a:t>Las condiciones ambientales en las que se producen más accidentes</a:t>
             </a:r>
           </a:p>
           <a:p>
-            <a:endParaRPr lang="es-ES" sz="2000" dirty="0" smtClean="0"/>
+            <a:endParaRPr lang="es-ES" sz="2000" dirty="0"/>
           </a:p>
           <a:p>
             <a:pPr marL="285750" indent="-285750">
@@ -10035,12 +10092,12 @@
               <a:buChar char="•"/>
             </a:pPr>
             <a:r>
-              <a:rPr lang="es-ES" sz="2000" dirty="0" smtClean="0"/>
+              <a:rPr lang="es-ES" sz="2000" dirty="0"/>
               <a:t>Perfil de personas con mayor tendencia a sufrir y provocar accidentes</a:t>
             </a:r>
           </a:p>
           <a:p>
-            <a:endParaRPr lang="es-ES" sz="2000" dirty="0" smtClean="0"/>
+            <a:endParaRPr lang="es-ES" sz="2000" dirty="0"/>
           </a:p>
           <a:p>
             <a:pPr marL="285750" indent="-285750">
@@ -10048,12 +10105,12 @@
               <a:buChar char="•"/>
             </a:pPr>
             <a:r>
-              <a:rPr lang="es-ES" sz="2000" dirty="0" smtClean="0"/>
+              <a:rPr lang="es-ES" sz="2000" dirty="0"/>
               <a:t>Periodo anual con mayor frecuencia de accidentes</a:t>
             </a:r>
           </a:p>
           <a:p>
-            <a:endParaRPr lang="es-ES" sz="2000" dirty="0" smtClean="0"/>
+            <a:endParaRPr lang="es-ES" sz="2000" dirty="0"/>
           </a:p>
           <a:p>
             <a:pPr marL="285750" indent="-285750">
@@ -10061,7 +10118,7 @@
               <a:buChar char="•"/>
             </a:pPr>
             <a:r>
-              <a:rPr lang="es-ES" sz="2000" dirty="0" smtClean="0"/>
+              <a:rPr lang="es-ES" sz="2000" dirty="0"/>
               <a:t>Informar de los tipos de accidentes</a:t>
             </a:r>
           </a:p>
@@ -10078,7 +10135,7 @@
               <a:buChar char="•"/>
             </a:pPr>
             <a:r>
-              <a:rPr lang="es-ES" sz="2000" dirty="0" smtClean="0"/>
+              <a:rPr lang="es-ES" sz="2000" dirty="0"/>
               <a:t>Predicción de accidentes en una zona concreta, según el día de la semana</a:t>
             </a:r>
           </a:p>
@@ -10095,7 +10152,7 @@
               <a:buChar char="•"/>
             </a:pPr>
             <a:r>
-              <a:rPr lang="es-ES" sz="2000" dirty="0" smtClean="0"/>
+              <a:rPr lang="es-ES" sz="2000" dirty="0"/>
               <a:t>Número de victimas según el distrito, mes, etc.</a:t>
             </a:r>
           </a:p>
@@ -10111,7 +10168,7 @@
               <a:buFont typeface="Arial" panose="020B0604020202020204" pitchFamily="34" charset="0"/>
               <a:buChar char="•"/>
             </a:pPr>
-            <a:endParaRPr lang="es-ES" sz="2000" dirty="0" smtClean="0"/>
+            <a:endParaRPr lang="es-ES" sz="2000" dirty="0"/>
           </a:p>
           <a:p>
             <a:pPr marL="285750" indent="-285750">
@@ -11011,10 +11068,9 @@
           <a:p>
             <a:pPr algn="ctr"/>
             <a:r>
-              <a:rPr lang="es-ES" sz="2400" b="1" dirty="0" smtClean="0"/>
+              <a:rPr lang="es-ES" sz="2400" b="1" dirty="0"/>
               <a:t>Descripción de nuestros datos</a:t>
             </a:r>
-            <a:endParaRPr lang="es-ES" sz="2400" b="1" dirty="0"/>
           </a:p>
         </p:txBody>
       </p:sp>
@@ -11085,11 +11141,11 @@
               <a:buChar char="•"/>
             </a:pPr>
             <a:r>
-              <a:rPr lang="es-ES" b="1" dirty="0" smtClean="0"/>
+              <a:rPr lang="es-ES" b="1" dirty="0"/>
               <a:t>Fuente de datos:  </a:t>
             </a:r>
             <a:r>
-              <a:rPr lang="es-ES" dirty="0" smtClean="0">
+              <a:rPr lang="es-ES" dirty="0">
                 <a:hlinkClick r:id="rId2"/>
               </a:rPr>
               <a:t>Ayuntamiento de Madrid</a:t>
@@ -11107,7 +11163,7 @@
           <p:nvPr>
             <p:extLst>
               <p:ext uri="{D42A27DB-BD31-4B8C-83A1-F6EECF244321}">
-                <p14:modId xmlns:p14="http://schemas.microsoft.com/office/powerpoint/2010/main" val="1232631248"/>
+                <p14:modId xmlns:p14="http://schemas.microsoft.com/office/powerpoint/2010/main" val="625369942"/>
               </p:ext>
             </p:extLst>
           </p:nvPr>
@@ -11146,11 +11202,11 @@
                     <a:p>
                       <a:pPr algn="ctr"/>
                       <a:r>
-                        <a:rPr lang="es-ES" sz="1600" dirty="0" smtClean="0"/>
+                        <a:rPr lang="es-ES" sz="1600" dirty="0"/>
                         <a:t>Nombre</a:t>
                       </a:r>
                       <a:r>
-                        <a:rPr lang="es-ES" sz="1600" baseline="0" dirty="0" smtClean="0"/>
+                        <a:rPr lang="es-ES" sz="1600" baseline="0" dirty="0"/>
                         <a:t> del campo</a:t>
                       </a:r>
                       <a:endParaRPr lang="es-ES" sz="1600" dirty="0"/>
@@ -11181,7 +11237,7 @@
                         <a:defRPr/>
                       </a:pPr>
                       <a:r>
-                        <a:rPr lang="es-ES" sz="1600" dirty="0" smtClean="0"/>
+                        <a:rPr lang="es-ES" sz="1600" dirty="0"/>
                         <a:t>Descripción</a:t>
                       </a:r>
                     </a:p>
@@ -11206,10 +11262,9 @@
                     <a:p>
                       <a:pPr algn="ctr"/>
                       <a:r>
-                        <a:rPr lang="es-ES" sz="1200" b="1" dirty="0" smtClean="0"/>
+                        <a:rPr lang="es-ES" sz="1200" b="1" dirty="0"/>
                         <a:t>FECHA 2018 </a:t>
                       </a:r>
-                      <a:endParaRPr lang="es-ES" sz="1200" b="1" dirty="0"/>
                     </a:p>
                   </a:txBody>
                   <a:tcPr>
@@ -11230,15 +11285,15 @@
                     <a:p>
                       <a:pPr algn="ctr"/>
                       <a:r>
-                        <a:rPr lang="es-ES" sz="1400" dirty="0" smtClean="0"/>
+                        <a:rPr lang="es-ES" sz="1400" dirty="0"/>
                         <a:t>Fecha</a:t>
                       </a:r>
                       <a:r>
-                        <a:rPr lang="es-ES" sz="1400" baseline="0" dirty="0" smtClean="0"/>
+                        <a:rPr lang="es-ES" sz="1400" baseline="0" dirty="0"/>
                         <a:t> en formato dd/mm/</a:t>
                       </a:r>
                       <a:r>
-                        <a:rPr lang="es-ES" sz="1400" baseline="0" dirty="0" err="1" smtClean="0"/>
+                        <a:rPr lang="es-ES" sz="1400" baseline="0" dirty="0" err="1"/>
                         <a:t>aaaa</a:t>
                       </a:r>
                       <a:endParaRPr lang="es-ES" sz="1400" dirty="0"/>
@@ -11290,11 +11345,11 @@
                     <a:p>
                       <a:pPr algn="ctr"/>
                       <a:r>
-                        <a:rPr lang="es-ES" sz="1200" b="1" dirty="0" smtClean="0"/>
+                        <a:rPr lang="es-ES" sz="1200" b="1" dirty="0"/>
                         <a:t>RANGO</a:t>
                       </a:r>
                       <a:r>
-                        <a:rPr lang="es-ES" sz="1200" b="1" baseline="0" dirty="0" smtClean="0"/>
+                        <a:rPr lang="es-ES" sz="1200" b="1" baseline="0" dirty="0"/>
                         <a:t> HORARIO</a:t>
                       </a:r>
                       <a:endParaRPr lang="es-ES" sz="1200" b="1" dirty="0"/>
@@ -11318,11 +11373,11 @@
                     <a:p>
                       <a:pPr algn="ctr"/>
                       <a:r>
-                        <a:rPr lang="es-ES" sz="1600" dirty="0" smtClean="0"/>
+                        <a:rPr lang="es-ES" sz="1600" dirty="0"/>
                         <a:t>La hora se establece en rangos</a:t>
                       </a:r>
                       <a:r>
-                        <a:rPr lang="es-ES" sz="1600" baseline="0" dirty="0" smtClean="0"/>
+                        <a:rPr lang="es-ES" sz="1600" baseline="0" dirty="0"/>
                         <a:t> horarios de 1 hora</a:t>
                       </a:r>
                       <a:endParaRPr lang="es-ES" sz="1600" dirty="0"/>
@@ -11380,10 +11435,9 @@
                     <a:p>
                       <a:pPr algn="ctr"/>
                       <a:r>
-                        <a:rPr lang="es-ES" sz="1200" b="1" dirty="0" smtClean="0"/>
+                        <a:rPr lang="es-ES" sz="1200" b="1" dirty="0"/>
                         <a:t>DISTRITO</a:t>
                       </a:r>
-                      <a:endParaRPr lang="es-ES" sz="1200" b="1" dirty="0"/>
                     </a:p>
                   </a:txBody>
                   <a:tcPr>
@@ -11404,10 +11458,9 @@
                     <a:p>
                       <a:pPr algn="ctr"/>
                       <a:r>
-                        <a:rPr lang="es-ES" sz="1600" dirty="0" smtClean="0"/>
+                        <a:rPr lang="es-ES" sz="1600" dirty="0"/>
                         <a:t>Nombre del distrito</a:t>
                       </a:r>
-                      <a:endParaRPr lang="es-ES" sz="1600" dirty="0"/>
                     </a:p>
                   </a:txBody>
                   <a:tcPr>
@@ -11462,10 +11515,9 @@
                     <a:p>
                       <a:pPr algn="ctr"/>
                       <a:r>
-                        <a:rPr lang="es-ES" sz="1200" b="1" dirty="0" smtClean="0"/>
+                        <a:rPr lang="es-ES" sz="1200" b="1" dirty="0"/>
                         <a:t>LUGAR DEL ACCIDENTE</a:t>
                       </a:r>
-                      <a:endParaRPr lang="es-ES" sz="1200" b="1" dirty="0"/>
                     </a:p>
                   </a:txBody>
                   <a:tcPr>
@@ -11486,11 +11538,11 @@
                     <a:p>
                       <a:pPr algn="ctr"/>
                       <a:r>
-                        <a:rPr lang="es-ES" sz="1600" dirty="0" smtClean="0"/>
+                        <a:rPr lang="es-ES" sz="1600" dirty="0"/>
                         <a:t>Calle 1 – calle</a:t>
                       </a:r>
                       <a:r>
-                        <a:rPr lang="es-ES" sz="1600" baseline="0" dirty="0" smtClean="0"/>
+                        <a:rPr lang="es-ES" sz="1600" baseline="0" dirty="0"/>
                         <a:t> 2 (cruce) o una calle y un número</a:t>
                       </a:r>
                       <a:endParaRPr lang="es-ES" sz="1600" dirty="0"/>
@@ -11548,10 +11600,9 @@
                     <a:p>
                       <a:pPr algn="ctr"/>
                       <a:r>
-                        <a:rPr lang="es-ES" sz="1200" b="1" dirty="0" smtClean="0"/>
+                        <a:rPr lang="es-ES" sz="1200" b="1" dirty="0"/>
                         <a:t>Nº DE CALLE</a:t>
                       </a:r>
-                      <a:endParaRPr lang="es-ES" sz="1200" b="1" dirty="0"/>
                     </a:p>
                   </a:txBody>
                   <a:tcPr>
@@ -11572,10 +11623,9 @@
                     <a:p>
                       <a:pPr algn="ctr"/>
                       <a:r>
-                        <a:rPr lang="es-ES" sz="1600" dirty="0" smtClean="0"/>
+                        <a:rPr lang="es-ES" sz="1600" dirty="0"/>
                         <a:t>Numero de la calle, cuando tiene sentido</a:t>
                       </a:r>
-                      <a:endParaRPr lang="es-ES" sz="1600" dirty="0"/>
                     </a:p>
                   </a:txBody>
                   <a:tcPr>
@@ -11629,16 +11679,16 @@
                     <a:lstStyle/>
                     <a:p>
                       <a:pPr algn="ctr"/>
-                      <a:endParaRPr lang="es-ES" sz="1200" b="1" dirty="0" smtClean="0"/>
+                      <a:endParaRPr lang="es-ES" sz="1200" b="1" dirty="0"/>
                     </a:p>
                     <a:p>
                       <a:pPr algn="ctr"/>
                       <a:r>
-                        <a:rPr lang="es-ES" sz="1200" b="1" dirty="0" smtClean="0"/>
+                        <a:rPr lang="es-ES" sz="1200" b="1" dirty="0"/>
                         <a:t>CONDICIONES</a:t>
                       </a:r>
                       <a:r>
-                        <a:rPr lang="es-ES" sz="1200" b="1" baseline="0" dirty="0" smtClean="0"/>
+                        <a:rPr lang="es-ES" sz="1200" b="1" baseline="0" dirty="0"/>
                         <a:t> AMBIENTALES</a:t>
                       </a:r>
                       <a:endParaRPr lang="es-ES" sz="1200" b="1" dirty="0"/>
@@ -11662,11 +11712,11 @@
                     <a:p>
                       <a:pPr algn="ctr"/>
                       <a:r>
-                        <a:rPr lang="es-ES" sz="1600" dirty="0" smtClean="0"/>
+                        <a:rPr lang="es-ES" sz="1600" dirty="0"/>
                         <a:t>Distintas</a:t>
                       </a:r>
                       <a:r>
-                        <a:rPr lang="es-ES" sz="1600" baseline="0" dirty="0" smtClean="0"/>
+                        <a:rPr lang="es-ES" sz="1600" baseline="0" dirty="0"/>
                         <a:t> condiciones ambientales que se dan en el momento del siniestro (lluvia, niebla, nieve, etc.)</a:t>
                       </a:r>
                       <a:endParaRPr lang="es-ES" sz="1600" dirty="0"/>
@@ -11723,19 +11773,18 @@
                     <a:lstStyle/>
                     <a:p>
                       <a:pPr algn="ctr"/>
-                      <a:endParaRPr lang="es-ES" sz="1200" b="1" dirty="0" smtClean="0"/>
+                      <a:endParaRPr lang="es-ES" sz="1200" b="1" dirty="0"/>
                     </a:p>
                     <a:p>
                       <a:pPr algn="ctr"/>
-                      <a:endParaRPr lang="es-ES" sz="1200" b="1" dirty="0" smtClean="0"/>
+                      <a:endParaRPr lang="es-ES" sz="1200" b="1" dirty="0"/>
                     </a:p>
                     <a:p>
                       <a:pPr algn="ctr"/>
                       <a:r>
-                        <a:rPr lang="es-ES" sz="1200" b="1" dirty="0" smtClean="0"/>
+                        <a:rPr lang="es-ES" sz="1200" b="1" dirty="0"/>
                         <a:t>NÚMERO DE VICTIMAS</a:t>
                       </a:r>
-                      <a:endParaRPr lang="es-ES" sz="1200" b="1" dirty="0"/>
                     </a:p>
                   </a:txBody>
                   <a:tcPr>
@@ -11756,10 +11805,9 @@
                     <a:p>
                       <a:pPr algn="ctr"/>
                       <a:r>
-                        <a:rPr lang="es-ES" sz="1600" dirty="0" smtClean="0"/>
+                        <a:rPr lang="es-ES" sz="1600" dirty="0"/>
                         <a:t>Indica el número de personas cuya integridad se ha visto afectada como consecuencia del accidente, con independencia de la lesividad.</a:t>
                       </a:r>
-                      <a:endParaRPr lang="es-ES" sz="1600" dirty="0"/>
                     </a:p>
                   </a:txBody>
                   <a:tcPr>
@@ -11814,10 +11862,9 @@
                     <a:p>
                       <a:pPr algn="ctr"/>
                       <a:r>
-                        <a:rPr lang="es-ES" sz="1200" b="1" dirty="0" smtClean="0"/>
+                        <a:rPr lang="es-ES" sz="1200" b="1" dirty="0"/>
                         <a:t>TIPO DE ACCIDENTE</a:t>
                       </a:r>
-                      <a:endParaRPr lang="es-ES" sz="1200" b="1" dirty="0"/>
                     </a:p>
                   </a:txBody>
                   <a:tcPr>
@@ -11838,10 +11885,9 @@
                     <a:p>
                       <a:pPr algn="ctr"/>
                       <a:r>
-                        <a:rPr lang="es-ES" sz="1600" dirty="0" smtClean="0"/>
+                        <a:rPr lang="es-ES" sz="1600" dirty="0"/>
                         <a:t>Puede ser: Colisión doble, múltiple, atropello, etc.</a:t>
                       </a:r>
-                      <a:endParaRPr lang="es-ES" sz="1600" dirty="0"/>
                     </a:p>
                   </a:txBody>
                   <a:tcPr>
@@ -11896,10 +11942,9 @@
                     <a:p>
                       <a:pPr algn="ctr"/>
                       <a:r>
-                        <a:rPr lang="es-ES" sz="1200" b="1" dirty="0" smtClean="0"/>
+                        <a:rPr lang="es-ES" sz="1200" b="1" dirty="0"/>
                         <a:t>TIPO DE PERSONA</a:t>
                       </a:r>
-                      <a:endParaRPr lang="es-ES" sz="1200" b="1" dirty="0"/>
                     </a:p>
                   </a:txBody>
                   <a:tcPr>
@@ -11920,10 +11965,9 @@
                     <a:p>
                       <a:pPr algn="ctr"/>
                       <a:r>
-                        <a:rPr lang="es-ES" sz="1600" dirty="0" smtClean="0"/>
+                        <a:rPr lang="es-ES" sz="1600" dirty="0"/>
                         <a:t>Puede ser: Conductor, peatón, testigo o viajero</a:t>
                       </a:r>
-                      <a:endParaRPr lang="es-ES" sz="1600" dirty="0"/>
                     </a:p>
                   </a:txBody>
                   <a:tcPr>
@@ -11978,10 +12022,9 @@
                     <a:p>
                       <a:pPr algn="ctr"/>
                       <a:r>
-                        <a:rPr lang="es-ES" sz="1200" b="1" dirty="0" smtClean="0"/>
+                        <a:rPr lang="es-ES" sz="1200" b="1" dirty="0"/>
                         <a:t>SEXO</a:t>
                       </a:r>
-                      <a:endParaRPr lang="es-ES" sz="1200" b="1" dirty="0"/>
                     </a:p>
                   </a:txBody>
                   <a:tcPr>
@@ -12002,10 +12045,9 @@
                     <a:p>
                       <a:pPr algn="ctr"/>
                       <a:r>
-                        <a:rPr lang="es-ES" sz="1600" dirty="0" smtClean="0"/>
+                        <a:rPr lang="es-ES" sz="1600" dirty="0"/>
                         <a:t>Puede ser: Hombre, mujer o no asignado</a:t>
                       </a:r>
-                      <a:endParaRPr lang="es-ES" sz="1600" dirty="0"/>
                     </a:p>
                   </a:txBody>
                   <a:tcPr>
@@ -12060,10 +12102,9 @@
                     <a:p>
                       <a:pPr algn="ctr"/>
                       <a:r>
-                        <a:rPr lang="es-ES" sz="1200" b="1" dirty="0" smtClean="0"/>
+                        <a:rPr lang="es-ES" sz="1200" b="1" dirty="0"/>
                         <a:t>LESIVIDAD</a:t>
                       </a:r>
-                      <a:endParaRPr lang="es-ES" sz="1200" b="1" dirty="0"/>
                     </a:p>
                   </a:txBody>
                   <a:tcPr>
@@ -12084,11 +12125,11 @@
                     <a:p>
                       <a:pPr algn="ctr"/>
                       <a:r>
-                        <a:rPr lang="es-ES" sz="1600" dirty="0" smtClean="0"/>
+                        <a:rPr lang="es-ES" sz="1600" dirty="0"/>
                         <a:t>Puede ser: Muerto, Herido</a:t>
                       </a:r>
                       <a:r>
-                        <a:rPr lang="es-ES" sz="1600" baseline="0" dirty="0" smtClean="0"/>
+                        <a:rPr lang="es-ES" sz="1600" baseline="0" dirty="0"/>
                         <a:t> Grave o Herido Leve</a:t>
                       </a:r>
                       <a:endParaRPr lang="es-ES" sz="1600" dirty="0"/>
@@ -12146,10 +12187,9 @@
                     <a:p>
                       <a:pPr algn="ctr"/>
                       <a:r>
-                        <a:rPr lang="es-ES" sz="1200" b="1" dirty="0" smtClean="0"/>
+                        <a:rPr lang="es-ES" sz="1200" b="1" dirty="0"/>
                         <a:t>TRAMO DE EDAD</a:t>
                       </a:r>
-                      <a:endParaRPr lang="es-ES" sz="1200" b="1" dirty="0"/>
                     </a:p>
                   </a:txBody>
                   <a:tcPr>
@@ -12170,10 +12210,9 @@
                     <a:p>
                       <a:pPr algn="ctr"/>
                       <a:r>
-                        <a:rPr lang="es-ES" sz="1600" dirty="0" smtClean="0"/>
+                        <a:rPr lang="es-ES" sz="1600" dirty="0"/>
                         <a:t>Tramo de edad de la persona afectada</a:t>
                       </a:r>
-                      <a:endParaRPr lang="es-ES" sz="1600" dirty="0"/>
                     </a:p>
                   </a:txBody>
                   <a:tcPr>
@@ -12228,13 +12267,6 @@
   <p:clrMapOvr>
     <a:masterClrMapping/>
   </p:clrMapOvr>
-  <p:timing>
-    <p:tnLst>
-      <p:par>
-        <p:cTn id="1" dur="indefinite" restart="never" nodeType="tmRoot"/>
-      </p:par>
-    </p:tnLst>
-  </p:timing>
 </p:sld>
 </file>
 
@@ -12279,10 +12311,9 @@
           <a:p>
             <a:pPr algn="ctr"/>
             <a:r>
-              <a:rPr lang="es-ES" sz="2400" b="1" dirty="0" smtClean="0"/>
+              <a:rPr lang="es-ES" sz="2400" b="1" dirty="0"/>
               <a:t>¿Qué herramientas e infraestructuras vamos a utilizar?</a:t>
             </a:r>
-            <a:endParaRPr lang="es-ES" sz="2400" b="1" dirty="0"/>
           </a:p>
         </p:txBody>
       </p:sp>
@@ -12513,13 +12544,15 @@
       <p:cxnSp>
         <p:nvCxnSpPr>
           <p:cNvPr id="10" name="Conector recto 9"/>
-          <p:cNvCxnSpPr/>
+          <p:cNvCxnSpPr>
+            <a:cxnSpLocks/>
+          </p:cNvCxnSpPr>
           <p:nvPr/>
         </p:nvCxnSpPr>
         <p:spPr>
           <a:xfrm>
-            <a:off x="6771736" y="1153774"/>
-            <a:ext cx="77638" cy="5091751"/>
+            <a:off x="6838119" y="1524000"/>
+            <a:ext cx="0" cy="4752000"/>
           </a:xfrm>
           <a:prstGeom prst="line">
             <a:avLst/>
@@ -12541,36 +12574,6 @@
           </a:fontRef>
         </p:style>
       </p:cxnSp>
-      <p:sp>
-        <p:nvSpPr>
-          <p:cNvPr id="11" name="CuadroTexto 10"/>
-          <p:cNvSpPr txBox="1"/>
-          <p:nvPr/>
-        </p:nvSpPr>
-        <p:spPr>
-          <a:xfrm>
-            <a:off x="3687074" y="6242650"/>
-            <a:ext cx="3162300" cy="369332"/>
-          </a:xfrm>
-          <a:prstGeom prst="rect">
-            <a:avLst/>
-          </a:prstGeom>
-          <a:noFill/>
-        </p:spPr>
-        <p:txBody>
-          <a:bodyPr wrap="square" rtlCol="0">
-            <a:spAutoFit/>
-          </a:bodyPr>
-          <a:lstStyle/>
-          <a:p>
-            <a:r>
-              <a:rPr lang="es-ES" b="1" dirty="0" smtClean="0"/>
-              <a:t>MACHINE LEARNING</a:t>
-            </a:r>
-            <a:endParaRPr lang="es-ES" b="1" dirty="0"/>
-          </a:p>
-        </p:txBody>
-      </p:sp>
     </p:spTree>
     <p:extLst>
       <p:ext uri="{BB962C8B-B14F-4D97-AF65-F5344CB8AC3E}">
@@ -12680,6 +12683,279 @@
                       </p:childTnLst>
                     </p:cTn>
                   </p:par>
+                  <p:par>
+                    <p:cTn id="9" fill="hold">
+                      <p:stCondLst>
+                        <p:cond delay="indefinite"/>
+                      </p:stCondLst>
+                      <p:childTnLst>
+                        <p:par>
+                          <p:cTn id="10" fill="hold">
+                            <p:stCondLst>
+                              <p:cond delay="0"/>
+                            </p:stCondLst>
+                            <p:childTnLst>
+                              <p:par>
+                                <p:cTn id="11" presetID="2" presetClass="entr" presetSubtype="4" fill="hold" nodeType="clickEffect">
+                                  <p:stCondLst>
+                                    <p:cond delay="0"/>
+                                  </p:stCondLst>
+                                  <p:childTnLst>
+                                    <p:set>
+                                      <p:cBhvr>
+                                        <p:cTn id="12" dur="1" fill="hold">
+                                          <p:stCondLst>
+                                            <p:cond delay="0"/>
+                                          </p:stCondLst>
+                                        </p:cTn>
+                                        <p:tgtEl>
+                                          <p:spTgt spid="1026"/>
+                                        </p:tgtEl>
+                                        <p:attrNameLst>
+                                          <p:attrName>style.visibility</p:attrName>
+                                        </p:attrNameLst>
+                                      </p:cBhvr>
+                                      <p:to>
+                                        <p:strVal val="visible"/>
+                                      </p:to>
+                                    </p:set>
+                                    <p:anim calcmode="lin" valueType="num">
+                                      <p:cBhvr additive="base">
+                                        <p:cTn id="13" dur="500" fill="hold"/>
+                                        <p:tgtEl>
+                                          <p:spTgt spid="1026"/>
+                                        </p:tgtEl>
+                                        <p:attrNameLst>
+                                          <p:attrName>ppt_x</p:attrName>
+                                        </p:attrNameLst>
+                                      </p:cBhvr>
+                                      <p:tavLst>
+                                        <p:tav tm="0">
+                                          <p:val>
+                                            <p:strVal val="#ppt_x"/>
+                                          </p:val>
+                                        </p:tav>
+                                        <p:tav tm="100000">
+                                          <p:val>
+                                            <p:strVal val="#ppt_x"/>
+                                          </p:val>
+                                        </p:tav>
+                                      </p:tavLst>
+                                    </p:anim>
+                                    <p:anim calcmode="lin" valueType="num">
+                                      <p:cBhvr additive="base">
+                                        <p:cTn id="14" dur="500" fill="hold"/>
+                                        <p:tgtEl>
+                                          <p:spTgt spid="1026"/>
+                                        </p:tgtEl>
+                                        <p:attrNameLst>
+                                          <p:attrName>ppt_y</p:attrName>
+                                        </p:attrNameLst>
+                                      </p:cBhvr>
+                                      <p:tavLst>
+                                        <p:tav tm="0">
+                                          <p:val>
+                                            <p:strVal val="1+#ppt_h/2"/>
+                                          </p:val>
+                                        </p:tav>
+                                        <p:tav tm="100000">
+                                          <p:val>
+                                            <p:strVal val="#ppt_y"/>
+                                          </p:val>
+                                        </p:tav>
+                                      </p:tavLst>
+                                    </p:anim>
+                                  </p:childTnLst>
+                                </p:cTn>
+                              </p:par>
+                            </p:childTnLst>
+                          </p:cTn>
+                        </p:par>
+                      </p:childTnLst>
+                    </p:cTn>
+                  </p:par>
+                  <p:par>
+                    <p:cTn id="15" fill="hold">
+                      <p:stCondLst>
+                        <p:cond delay="indefinite"/>
+                      </p:stCondLst>
+                      <p:childTnLst>
+                        <p:par>
+                          <p:cTn id="16" fill="hold">
+                            <p:stCondLst>
+                              <p:cond delay="0"/>
+                            </p:stCondLst>
+                            <p:childTnLst>
+                              <p:par>
+                                <p:cTn id="17" presetID="2" presetClass="entr" presetSubtype="4" fill="hold" nodeType="clickEffect">
+                                  <p:stCondLst>
+                                    <p:cond delay="0"/>
+                                  </p:stCondLst>
+                                  <p:childTnLst>
+                                    <p:set>
+                                      <p:cBhvr>
+                                        <p:cTn id="18" dur="1" fill="hold">
+                                          <p:stCondLst>
+                                            <p:cond delay="0"/>
+                                          </p:stCondLst>
+                                        </p:cTn>
+                                        <p:tgtEl>
+                                          <p:spTgt spid="7"/>
+                                        </p:tgtEl>
+                                        <p:attrNameLst>
+                                          <p:attrName>style.visibility</p:attrName>
+                                        </p:attrNameLst>
+                                      </p:cBhvr>
+                                      <p:to>
+                                        <p:strVal val="visible"/>
+                                      </p:to>
+                                    </p:set>
+                                    <p:anim calcmode="lin" valueType="num">
+                                      <p:cBhvr additive="base">
+                                        <p:cTn id="19" dur="500" fill="hold"/>
+                                        <p:tgtEl>
+                                          <p:spTgt spid="7"/>
+                                        </p:tgtEl>
+                                        <p:attrNameLst>
+                                          <p:attrName>ppt_x</p:attrName>
+                                        </p:attrNameLst>
+                                      </p:cBhvr>
+                                      <p:tavLst>
+                                        <p:tav tm="0">
+                                          <p:val>
+                                            <p:strVal val="#ppt_x"/>
+                                          </p:val>
+                                        </p:tav>
+                                        <p:tav tm="100000">
+                                          <p:val>
+                                            <p:strVal val="#ppt_x"/>
+                                          </p:val>
+                                        </p:tav>
+                                      </p:tavLst>
+                                    </p:anim>
+                                    <p:anim calcmode="lin" valueType="num">
+                                      <p:cBhvr additive="base">
+                                        <p:cTn id="20" dur="500" fill="hold"/>
+                                        <p:tgtEl>
+                                          <p:spTgt spid="7"/>
+                                        </p:tgtEl>
+                                        <p:attrNameLst>
+                                          <p:attrName>ppt_y</p:attrName>
+                                        </p:attrNameLst>
+                                      </p:cBhvr>
+                                      <p:tavLst>
+                                        <p:tav tm="0">
+                                          <p:val>
+                                            <p:strVal val="1+#ppt_h/2"/>
+                                          </p:val>
+                                        </p:tav>
+                                        <p:tav tm="100000">
+                                          <p:val>
+                                            <p:strVal val="#ppt_y"/>
+                                          </p:val>
+                                        </p:tav>
+                                      </p:tavLst>
+                                    </p:anim>
+                                  </p:childTnLst>
+                                </p:cTn>
+                              </p:par>
+                            </p:childTnLst>
+                          </p:cTn>
+                        </p:par>
+                      </p:childTnLst>
+                    </p:cTn>
+                  </p:par>
+                  <p:par>
+                    <p:cTn id="21" fill="hold">
+                      <p:stCondLst>
+                        <p:cond delay="indefinite"/>
+                      </p:stCondLst>
+                      <p:childTnLst>
+                        <p:par>
+                          <p:cTn id="22" fill="hold">
+                            <p:stCondLst>
+                              <p:cond delay="0"/>
+                            </p:stCondLst>
+                            <p:childTnLst>
+                              <p:par>
+                                <p:cTn id="23" presetID="2" presetClass="entr" presetSubtype="4" fill="hold" nodeType="clickEffect">
+                                  <p:stCondLst>
+                                    <p:cond delay="0"/>
+                                  </p:stCondLst>
+                                  <p:childTnLst>
+                                    <p:set>
+                                      <p:cBhvr>
+                                        <p:cTn id="24" dur="1" fill="hold">
+                                          <p:stCondLst>
+                                            <p:cond delay="0"/>
+                                          </p:stCondLst>
+                                        </p:cTn>
+                                        <p:tgtEl>
+                                          <p:spTgt spid="1028"/>
+                                        </p:tgtEl>
+                                        <p:attrNameLst>
+                                          <p:attrName>style.visibility</p:attrName>
+                                        </p:attrNameLst>
+                                      </p:cBhvr>
+                                      <p:to>
+                                        <p:strVal val="visible"/>
+                                      </p:to>
+                                    </p:set>
+                                    <p:anim calcmode="lin" valueType="num">
+                                      <p:cBhvr additive="base">
+                                        <p:cTn id="25" dur="500" fill="hold"/>
+                                        <p:tgtEl>
+                                          <p:spTgt spid="1028"/>
+                                        </p:tgtEl>
+                                        <p:attrNameLst>
+                                          <p:attrName>ppt_x</p:attrName>
+                                        </p:attrNameLst>
+                                      </p:cBhvr>
+                                      <p:tavLst>
+                                        <p:tav tm="0">
+                                          <p:val>
+                                            <p:strVal val="#ppt_x"/>
+                                          </p:val>
+                                        </p:tav>
+                                        <p:tav tm="100000">
+                                          <p:val>
+                                            <p:strVal val="#ppt_x"/>
+                                          </p:val>
+                                        </p:tav>
+                                      </p:tavLst>
+                                    </p:anim>
+                                    <p:anim calcmode="lin" valueType="num">
+                                      <p:cBhvr additive="base">
+                                        <p:cTn id="26" dur="500" fill="hold"/>
+                                        <p:tgtEl>
+                                          <p:spTgt spid="1028"/>
+                                        </p:tgtEl>
+                                        <p:attrNameLst>
+                                          <p:attrName>ppt_y</p:attrName>
+                                        </p:attrNameLst>
+                                      </p:cBhvr>
+                                      <p:tavLst>
+                                        <p:tav tm="0">
+                                          <p:val>
+                                            <p:strVal val="1+#ppt_h/2"/>
+                                          </p:val>
+                                        </p:tav>
+                                        <p:tav tm="100000">
+                                          <p:val>
+                                            <p:strVal val="#ppt_y"/>
+                                          </p:val>
+                                        </p:tav>
+                                      </p:tavLst>
+                                    </p:anim>
+                                  </p:childTnLst>
+                                </p:cTn>
+                              </p:par>
+                            </p:childTnLst>
+                          </p:cTn>
+                        </p:par>
+                      </p:childTnLst>
+                    </p:cTn>
+                  </p:par>
                 </p:childTnLst>
               </p:cTn>
               <p:prevCondLst>
@@ -12746,10 +13022,9 @@
           <a:p>
             <a:pPr algn="ctr"/>
             <a:r>
-              <a:rPr lang="es-ES" sz="4000" b="1" dirty="0" smtClean="0"/>
+              <a:rPr lang="es-ES" sz="4000" b="1" dirty="0"/>
               <a:t>PREGUNTAS</a:t>
             </a:r>
-            <a:endParaRPr lang="es-ES" sz="4000" b="1" dirty="0"/>
           </a:p>
         </p:txBody>
       </p:sp>
@@ -12844,13 +13119,6 @@
   <p:clrMapOvr>
     <a:masterClrMapping/>
   </p:clrMapOvr>
-  <p:timing>
-    <p:tnLst>
-      <p:par>
-        <p:cTn id="1" dur="indefinite" restart="never" nodeType="tmRoot"/>
-      </p:par>
-    </p:tnLst>
-  </p:timing>
 </p:sld>
 </file>
 
